--- a/Project_Poster.pptx
+++ b/Project_Poster.pptx
@@ -109,7 +109,7 @@
   </p:defaultTextStyle>
   <p:extLst>
     <p:ext uri="{EFAFB233-063F-42B5-8137-9DF3F51BA10A}">
-      <p15:sldGuideLst xmlns="" xmlns:p15="http://schemas.microsoft.com/office/powerpoint/2012/main">
+      <p15:sldGuideLst xmlns:p15="http://schemas.microsoft.com/office/powerpoint/2012/main" xmlns="">
         <p15:guide id="1" orient="horz" pos="6735">
           <p15:clr>
             <a:srgbClr val="A4A3A4"/>
@@ -1702,13 +1702,12 @@
         <a:lstStyle/>
         <a:p>
           <a:r>
-            <a:rPr lang="en-US" noProof="0" dirty="0">
-              <a:solidFill>
-                <a:srgbClr val="000000"/>
-              </a:solidFill>
-              <a:latin typeface="Ubuntu"/>
-            </a:rPr>
-            <a:t>Capture video frame</a:t>
+            <a:rPr lang="tr-TR" noProof="0" dirty="0" smtClean="0"/>
+            <a:t>Video</a:t>
+          </a:r>
+          <a:r>
+            <a:rPr lang="tr-TR" baseline="0" noProof="0" dirty="0" smtClean="0"/>
+            <a:t> Karesi Yakalama</a:t>
           </a:r>
           <a:endParaRPr lang="en-US" noProof="0" dirty="0"/>
         </a:p>
@@ -1744,13 +1743,12 @@
         <a:lstStyle/>
         <a:p>
           <a:r>
-            <a:rPr lang="en-US" noProof="0" dirty="0">
-              <a:solidFill>
-                <a:srgbClr val="000000"/>
-              </a:solidFill>
-              <a:latin typeface="Ubuntu"/>
-            </a:rPr>
-            <a:t>Noise reduction</a:t>
+            <a:rPr lang="tr-TR" noProof="0" dirty="0" smtClean="0"/>
+            <a:t>Gürültü</a:t>
+          </a:r>
+          <a:r>
+            <a:rPr lang="tr-TR" baseline="0" noProof="0" dirty="0" smtClean="0"/>
+            <a:t> Önleme</a:t>
           </a:r>
           <a:endParaRPr lang="en-US" noProof="0" dirty="0"/>
         </a:p>
@@ -1786,31 +1784,12 @@
         <a:lstStyle/>
         <a:p>
           <a:r>
-            <a:rPr lang="en-US" noProof="0" dirty="0">
-              <a:solidFill>
-                <a:srgbClr val="000000"/>
-              </a:solidFill>
-              <a:latin typeface="Ubuntu"/>
-            </a:rPr>
-            <a:t>User detection using Face Recogn</a:t>
+            <a:rPr lang="tr-TR" noProof="0" dirty="0" smtClean="0"/>
+            <a:t>Yüz</a:t>
           </a:r>
           <a:r>
-            <a:rPr lang="tr-TR" noProof="0" dirty="0">
-              <a:solidFill>
-                <a:srgbClr val="000000"/>
-              </a:solidFill>
-              <a:latin typeface="Ubuntu"/>
-            </a:rPr>
-            <a:t>i</a:t>
-          </a:r>
-          <a:r>
-            <a:rPr lang="en-US" noProof="0" dirty="0">
-              <a:solidFill>
-                <a:srgbClr val="000000"/>
-              </a:solidFill>
-              <a:latin typeface="Ubuntu"/>
-            </a:rPr>
-            <a:t>tion</a:t>
+            <a:rPr lang="tr-TR" baseline="0" noProof="0" dirty="0" smtClean="0"/>
+            <a:t> Tanıma Teknolojisi Kullanarak Kullanıcı Tespiti</a:t>
           </a:r>
           <a:endParaRPr lang="en-US" noProof="0" dirty="0"/>
         </a:p>
@@ -1846,9 +1825,10 @@
         <a:lstStyle/>
         <a:p>
           <a:r>
-            <a:rPr lang="en-US" noProof="0" dirty="0"/>
-            <a:t>Preprocess video frame</a:t>
+            <a:rPr lang="tr-TR" noProof="0" dirty="0" smtClean="0"/>
+            <a:t>Video Karesi İşleme</a:t>
           </a:r>
+          <a:endParaRPr lang="en-US" noProof="0" dirty="0"/>
         </a:p>
       </dgm:t>
     </dgm:pt>
@@ -1882,9 +1862,10 @@
         <a:lstStyle/>
         <a:p>
           <a:r>
-            <a:rPr lang="en-US" noProof="0" dirty="0"/>
-            <a:t>Save frame </a:t>
+            <a:rPr lang="tr-TR" noProof="0" dirty="0" smtClean="0"/>
+            <a:t>Tespit Edilen Kareyi Kaydetme</a:t>
           </a:r>
+          <a:endParaRPr lang="en-US" noProof="0" dirty="0"/>
         </a:p>
       </dgm:t>
     </dgm:pt>
@@ -1918,58 +1899,13 @@
         <a:lstStyle/>
         <a:p>
           <a:r>
-            <a:rPr lang="en-US" noProof="0" dirty="0">
+            <a:rPr lang="tr-TR" noProof="0" dirty="0" smtClean="0">
               <a:solidFill>
                 <a:srgbClr val="000000"/>
               </a:solidFill>
               <a:latin typeface="Ubuntu"/>
             </a:rPr>
-            <a:t>Send </a:t>
-          </a:r>
-          <a:r>
-            <a:rPr lang="tr-TR" noProof="0" dirty="0" err="1">
-              <a:solidFill>
-                <a:srgbClr val="000000"/>
-              </a:solidFill>
-              <a:latin typeface="Ubuntu"/>
-            </a:rPr>
-            <a:t>the</a:t>
-          </a:r>
-          <a:r>
-            <a:rPr lang="tr-TR" noProof="0" dirty="0">
-              <a:solidFill>
-                <a:srgbClr val="000000"/>
-              </a:solidFill>
-              <a:latin typeface="Ubuntu"/>
-            </a:rPr>
-            <a:t> </a:t>
-          </a:r>
-          <a:r>
-            <a:rPr lang="en-US" noProof="0" dirty="0">
-              <a:solidFill>
-                <a:srgbClr val="000000"/>
-              </a:solidFill>
-              <a:latin typeface="Ubuntu"/>
-            </a:rPr>
-            <a:t>user</a:t>
-          </a:r>
-          <a:r>
-            <a:rPr lang="tr-TR" noProof="0" dirty="0">
-              <a:solidFill>
-                <a:srgbClr val="000000"/>
-              </a:solidFill>
-              <a:latin typeface="Ubuntu"/>
-            </a:rPr>
-            <a:t> </a:t>
-          </a:r>
-          <a:r>
-            <a:rPr lang="en-US" noProof="0" dirty="0">
-              <a:solidFill>
-                <a:srgbClr val="000000"/>
-              </a:solidFill>
-              <a:latin typeface="Ubuntu"/>
-            </a:rPr>
-            <a:t>position data</a:t>
+            <a:t>Kullanıcının X ve Y Koordinatlarını Gönderme</a:t>
           </a:r>
           <a:endParaRPr lang="en-US" noProof="0" dirty="0"/>
         </a:p>
@@ -2029,7 +1965,7 @@
       <dgm:spPr/>
     </dgm:pt>
     <dgm:pt modelId="{FADC9CCD-7F10-4EA8-BDB7-D79AB8359C92}" type="pres">
-      <dgm:prSet presAssocID="{05A90B67-BAAA-493A-A7A5-0861AD77F4D4}" presName="text" presStyleLbl="fgAcc0" presStyleIdx="0" presStyleCnt="1" custLinFactNeighborX="-7745" custLinFactNeighborY="-873">
+      <dgm:prSet presAssocID="{05A90B67-BAAA-493A-A7A5-0861AD77F4D4}" presName="text" presStyleLbl="fgAcc0" presStyleIdx="0" presStyleCnt="1" custLinFactNeighborX="-11146" custLinFactNeighborY="-730">
         <dgm:presLayoutVars>
           <dgm:chPref val="3"/>
         </dgm:presLayoutVars>
@@ -2317,7 +2253,7 @@
   <dgm:whole/>
   <dgm:extLst>
     <a:ext uri="http://schemas.microsoft.com/office/drawing/2008/diagram">
-      <dsp:dataModelExt xmlns:dsp="http://schemas.microsoft.com/office/drawing/2008/diagram" relId="rId11" minVer="http://schemas.openxmlformats.org/drawingml/2006/diagram"/>
+      <dsp:dataModelExt xmlns:dsp="http://schemas.microsoft.com/office/drawing/2008/diagram" relId="rId10" minVer="http://schemas.openxmlformats.org/drawingml/2006/diagram"/>
     </a:ext>
   </dgm:extLst>
 </dgm:dataModel>
@@ -2345,10 +2281,8 @@
         <a:lstStyle/>
         <a:p>
           <a:r>
-            <a:rPr lang="en-US" noProof="0" dirty="0">
-              <a:latin typeface="Ubuntu"/>
-            </a:rPr>
-            <a:t>Receive the user position</a:t>
+            <a:rPr lang="tr-TR" noProof="0" dirty="0" smtClean="0"/>
+            <a:t>Kullanıcının X ve Y Koordinatlarını Alma</a:t>
           </a:r>
           <a:endParaRPr lang="en-US" noProof="0" dirty="0"/>
         </a:p>
@@ -2384,10 +2318,8 @@
         <a:lstStyle/>
         <a:p>
           <a:r>
-            <a:rPr lang="en-US" noProof="0" dirty="0">
-              <a:latin typeface="Ubuntu"/>
-            </a:rPr>
-            <a:t>Calculate new camera orientation</a:t>
+            <a:rPr lang="tr-TR" noProof="0" dirty="0" smtClean="0"/>
+            <a:t>Kameranın Yeni Bulunduğu Pozisyonu Hesaplama</a:t>
           </a:r>
           <a:endParaRPr lang="en-US" noProof="0" dirty="0"/>
         </a:p>
@@ -2423,10 +2355,12 @@
         <a:lstStyle/>
         <a:p>
           <a:r>
-            <a:rPr lang="en-US" noProof="0" dirty="0">
-              <a:latin typeface="Ubuntu"/>
-            </a:rPr>
-            <a:t>Compare the new orientation with the current one</a:t>
+            <a:rPr lang="tr-TR" noProof="0" dirty="0" smtClean="0"/>
+            <a:t>Kameranı</a:t>
+          </a:r>
+          <a:r>
+            <a:rPr lang="tr-TR" baseline="0" noProof="0" dirty="0" smtClean="0"/>
+            <a:t>n anlık ve yeni pozisyonun karşılaştırılması</a:t>
           </a:r>
           <a:endParaRPr lang="en-US" noProof="0" dirty="0"/>
         </a:p>
@@ -2462,34 +2396,10 @@
         <a:lstStyle/>
         <a:p>
           <a:r>
-            <a:rPr lang="en-US" noProof="0" dirty="0">
+            <a:rPr lang="tr-TR" noProof="0" dirty="0" smtClean="0">
               <a:latin typeface="Ubuntu"/>
             </a:rPr>
-            <a:t>Move the camera platform</a:t>
-          </a:r>
-          <a:r>
-            <a:rPr lang="tr-TR" noProof="0" dirty="0">
-              <a:latin typeface="Ubuntu"/>
-            </a:rPr>
-            <a:t>, </a:t>
-          </a:r>
-          <a:r>
-            <a:rPr lang="tr-TR" noProof="0" dirty="0" err="1">
-              <a:latin typeface="Ubuntu"/>
-            </a:rPr>
-            <a:t>if</a:t>
-          </a:r>
-          <a:r>
-            <a:rPr lang="tr-TR" noProof="0" dirty="0">
-              <a:latin typeface="Ubuntu"/>
-            </a:rPr>
-            <a:t> </a:t>
-          </a:r>
-          <a:r>
-            <a:rPr lang="tr-TR" noProof="0" dirty="0" err="1">
-              <a:latin typeface="Ubuntu"/>
-            </a:rPr>
-            <a:t>necesaary</a:t>
+            <a:t>Kamera Hareketi</a:t>
           </a:r>
           <a:endParaRPr lang="en-US" noProof="0" dirty="0"/>
         </a:p>
@@ -2735,7 +2645,7 @@
   <dgm:whole/>
   <dgm:extLst>
     <a:ext uri="http://schemas.microsoft.com/office/drawing/2008/diagram">
-      <dsp:dataModelExt xmlns:dsp="http://schemas.microsoft.com/office/drawing/2008/diagram" relId="rId16" minVer="http://schemas.openxmlformats.org/drawingml/2006/diagram"/>
+      <dsp:dataModelExt xmlns:dsp="http://schemas.microsoft.com/office/drawing/2008/diagram" relId="rId15" minVer="http://schemas.openxmlformats.org/drawingml/2006/diagram"/>
     </a:ext>
   </dgm:extLst>
 </dgm:dataModel>
@@ -2811,8 +2721,8 @@
       </dsp:nvSpPr>
       <dsp:spPr>
         <a:xfrm>
-          <a:off x="1159208" y="903679"/>
-          <a:ext cx="771980" cy="332283"/>
+          <a:off x="1121078" y="904697"/>
+          <a:ext cx="810110" cy="331264"/>
         </a:xfrm>
         <a:custGeom>
           <a:avLst/>
@@ -2826,13 +2736,13 @@
                 <a:pt x="0" y="0"/>
               </a:moveTo>
               <a:lnTo>
-                <a:pt x="0" y="228420"/>
+                <a:pt x="0" y="227402"/>
               </a:lnTo>
               <a:lnTo>
-                <a:pt x="771980" y="228420"/>
+                <a:pt x="810110" y="227402"/>
               </a:lnTo>
               <a:lnTo>
-                <a:pt x="771980" y="332283"/>
+                <a:pt x="810110" y="331264"/>
               </a:lnTo>
             </a:path>
           </a:pathLst>
@@ -2982,8 +2892,8 @@
       </dsp:nvSpPr>
       <dsp:spPr>
         <a:xfrm>
-          <a:off x="560894" y="903679"/>
-          <a:ext cx="598314" cy="332283"/>
+          <a:off x="560894" y="904697"/>
+          <a:ext cx="560183" cy="331264"/>
         </a:xfrm>
         <a:custGeom>
           <a:avLst/>
@@ -2994,16 +2904,16 @@
           <a:pathLst>
             <a:path>
               <a:moveTo>
-                <a:pt x="598314" y="0"/>
+                <a:pt x="560183" y="0"/>
               </a:moveTo>
               <a:lnTo>
-                <a:pt x="598314" y="228420"/>
+                <a:pt x="560183" y="227402"/>
               </a:lnTo>
               <a:lnTo>
-                <a:pt x="0" y="228420"/>
+                <a:pt x="0" y="227402"/>
               </a:lnTo>
               <a:lnTo>
-                <a:pt x="0" y="332283"/>
+                <a:pt x="0" y="331264"/>
               </a:lnTo>
             </a:path>
           </a:pathLst>
@@ -3043,7 +2953,7 @@
       </dsp:nvSpPr>
       <dsp:spPr>
         <a:xfrm>
-          <a:off x="598633" y="191748"/>
+          <a:off x="560503" y="192767"/>
           <a:ext cx="1121150" cy="711930"/>
         </a:xfrm>
         <a:prstGeom prst="roundRect">
@@ -3094,7 +3004,7 @@
       </dsp:nvSpPr>
       <dsp:spPr>
         <a:xfrm>
-          <a:off x="723205" y="310092"/>
+          <a:off x="685075" y="311110"/>
           <a:ext cx="1121150" cy="711930"/>
         </a:xfrm>
         <a:prstGeom prst="roundRect">
@@ -3137,12 +3047,12 @@
         <a:fontRef idx="minor"/>
       </dsp:style>
       <dsp:txBody>
-        <a:bodyPr spcFirstLastPara="0" vert="horz" wrap="square" lIns="45720" tIns="45720" rIns="45720" bIns="45720" numCol="1" spcCol="1270" anchor="ctr" anchorCtr="0">
+        <a:bodyPr spcFirstLastPara="0" vert="horz" wrap="square" lIns="41910" tIns="41910" rIns="41910" bIns="41910" numCol="1" spcCol="1270" anchor="ctr" anchorCtr="0">
           <a:noAutofit/>
         </a:bodyPr>
         <a:lstStyle/>
         <a:p>
-          <a:pPr lvl="0" algn="ctr" defTabSz="533400">
+          <a:pPr lvl="0" algn="ctr" defTabSz="488950">
             <a:lnSpc>
               <a:spcPct val="90000"/>
             </a:lnSpc>
@@ -3154,19 +3064,18 @@
             </a:spcAft>
           </a:pPr>
           <a:r>
-            <a:rPr lang="en-US" sz="1200" kern="1200" noProof="0" dirty="0">
-              <a:solidFill>
-                <a:srgbClr val="000000"/>
-              </a:solidFill>
-              <a:latin typeface="Ubuntu"/>
-            </a:rPr>
-            <a:t>Capture video frame</a:t>
+            <a:rPr lang="tr-TR" sz="1100" kern="1200" noProof="0" dirty="0" smtClean="0"/>
+            <a:t>Video</a:t>
           </a:r>
-          <a:endParaRPr lang="en-US" sz="1200" kern="1200" noProof="0" dirty="0"/>
+          <a:r>
+            <a:rPr lang="tr-TR" sz="1100" kern="1200" baseline="0" noProof="0" dirty="0" smtClean="0"/>
+            <a:t> Karesi Yakalama</a:t>
+          </a:r>
+          <a:endParaRPr lang="en-US" sz="1100" kern="1200" noProof="0" dirty="0"/>
         </a:p>
       </dsp:txBody>
       <dsp:txXfrm>
-        <a:off x="744057" y="330944"/>
+        <a:off x="705927" y="331962"/>
         <a:ext cx="1079446" cy="670226"/>
       </dsp:txXfrm>
     </dsp:sp>
@@ -3271,12 +3180,12 @@
         <a:fontRef idx="minor"/>
       </dsp:style>
       <dsp:txBody>
-        <a:bodyPr spcFirstLastPara="0" vert="horz" wrap="square" lIns="45720" tIns="45720" rIns="45720" bIns="45720" numCol="1" spcCol="1270" anchor="ctr" anchorCtr="0">
+        <a:bodyPr spcFirstLastPara="0" vert="horz" wrap="square" lIns="41910" tIns="41910" rIns="41910" bIns="41910" numCol="1" spcCol="1270" anchor="ctr" anchorCtr="0">
           <a:noAutofit/>
         </a:bodyPr>
         <a:lstStyle/>
         <a:p>
-          <a:pPr lvl="0" algn="ctr" defTabSz="533400">
+          <a:pPr lvl="0" algn="ctr" defTabSz="488950">
             <a:lnSpc>
               <a:spcPct val="90000"/>
             </a:lnSpc>
@@ -3288,15 +3197,14 @@
             </a:spcAft>
           </a:pPr>
           <a:r>
-            <a:rPr lang="en-US" sz="1200" kern="1200" noProof="0" dirty="0">
-              <a:solidFill>
-                <a:srgbClr val="000000"/>
-              </a:solidFill>
-              <a:latin typeface="Ubuntu"/>
-            </a:rPr>
-            <a:t>Noise reduction</a:t>
+            <a:rPr lang="tr-TR" sz="1100" kern="1200" noProof="0" dirty="0" smtClean="0"/>
+            <a:t>Gürültü</a:t>
           </a:r>
-          <a:endParaRPr lang="en-US" sz="1200" kern="1200" noProof="0" dirty="0"/>
+          <a:r>
+            <a:rPr lang="tr-TR" sz="1100" kern="1200" baseline="0" noProof="0" dirty="0" smtClean="0"/>
+            <a:t> Önleme</a:t>
+          </a:r>
+          <a:endParaRPr lang="en-US" sz="1100" kern="1200" noProof="0" dirty="0"/>
         </a:p>
       </dsp:txBody>
       <dsp:txXfrm>
@@ -3405,12 +3313,12 @@
         <a:fontRef idx="minor"/>
       </dsp:style>
       <dsp:txBody>
-        <a:bodyPr spcFirstLastPara="0" vert="horz" wrap="square" lIns="45720" tIns="45720" rIns="45720" bIns="45720" numCol="1" spcCol="1270" anchor="ctr" anchorCtr="0">
+        <a:bodyPr spcFirstLastPara="0" vert="horz" wrap="square" lIns="41910" tIns="41910" rIns="41910" bIns="41910" numCol="1" spcCol="1270" anchor="ctr" anchorCtr="0">
           <a:noAutofit/>
         </a:bodyPr>
         <a:lstStyle/>
         <a:p>
-          <a:pPr lvl="0" algn="ctr" defTabSz="533400">
+          <a:pPr lvl="0" algn="ctr" defTabSz="488950">
             <a:lnSpc>
               <a:spcPct val="90000"/>
             </a:lnSpc>
@@ -3422,33 +3330,14 @@
             </a:spcAft>
           </a:pPr>
           <a:r>
-            <a:rPr lang="en-US" sz="1200" kern="1200" noProof="0" dirty="0">
-              <a:solidFill>
-                <a:srgbClr val="000000"/>
-              </a:solidFill>
-              <a:latin typeface="Ubuntu"/>
-            </a:rPr>
-            <a:t>User detection using Face Recogn</a:t>
+            <a:rPr lang="tr-TR" sz="1100" kern="1200" noProof="0" dirty="0" smtClean="0"/>
+            <a:t>Yüz</a:t>
           </a:r>
           <a:r>
-            <a:rPr lang="tr-TR" sz="1200" kern="1200" noProof="0" dirty="0">
-              <a:solidFill>
-                <a:srgbClr val="000000"/>
-              </a:solidFill>
-              <a:latin typeface="Ubuntu"/>
-            </a:rPr>
-            <a:t>i</a:t>
+            <a:rPr lang="tr-TR" sz="1100" kern="1200" baseline="0" noProof="0" dirty="0" smtClean="0"/>
+            <a:t> Tanıma Teknolojisi Kullanarak Kullanıcı Tespiti</a:t>
           </a:r>
-          <a:r>
-            <a:rPr lang="en-US" sz="1200" kern="1200" noProof="0" dirty="0">
-              <a:solidFill>
-                <a:srgbClr val="000000"/>
-              </a:solidFill>
-              <a:latin typeface="Ubuntu"/>
-            </a:rPr>
-            <a:t>tion</a:t>
-          </a:r>
-          <a:endParaRPr lang="en-US" sz="1200" kern="1200" noProof="0" dirty="0"/>
+          <a:endParaRPr lang="en-US" sz="1100" kern="1200" noProof="0" dirty="0"/>
         </a:p>
       </dsp:txBody>
       <dsp:txXfrm>
@@ -3557,12 +3446,12 @@
         <a:fontRef idx="minor"/>
       </dsp:style>
       <dsp:txBody>
-        <a:bodyPr spcFirstLastPara="0" vert="horz" wrap="square" lIns="45720" tIns="45720" rIns="45720" bIns="45720" numCol="1" spcCol="1270" anchor="ctr" anchorCtr="0">
+        <a:bodyPr spcFirstLastPara="0" vert="horz" wrap="square" lIns="41910" tIns="41910" rIns="41910" bIns="41910" numCol="1" spcCol="1270" anchor="ctr" anchorCtr="0">
           <a:noAutofit/>
         </a:bodyPr>
         <a:lstStyle/>
         <a:p>
-          <a:pPr lvl="0" algn="ctr" defTabSz="533400">
+          <a:pPr lvl="0" algn="ctr" defTabSz="488950">
             <a:lnSpc>
               <a:spcPct val="90000"/>
             </a:lnSpc>
@@ -3574,60 +3463,15 @@
             </a:spcAft>
           </a:pPr>
           <a:r>
-            <a:rPr lang="en-US" sz="1200" kern="1200" noProof="0" dirty="0">
+            <a:rPr lang="tr-TR" sz="1100" kern="1200" noProof="0" dirty="0" smtClean="0">
               <a:solidFill>
                 <a:srgbClr val="000000"/>
               </a:solidFill>
               <a:latin typeface="Ubuntu"/>
             </a:rPr>
-            <a:t>Send </a:t>
+            <a:t>Kullanıcının X ve Y Koordinatlarını Gönderme</a:t>
           </a:r>
-          <a:r>
-            <a:rPr lang="tr-TR" sz="1200" kern="1200" noProof="0" dirty="0" err="1">
-              <a:solidFill>
-                <a:srgbClr val="000000"/>
-              </a:solidFill>
-              <a:latin typeface="Ubuntu"/>
-            </a:rPr>
-            <a:t>the</a:t>
-          </a:r>
-          <a:r>
-            <a:rPr lang="tr-TR" sz="1200" kern="1200" noProof="0" dirty="0">
-              <a:solidFill>
-                <a:srgbClr val="000000"/>
-              </a:solidFill>
-              <a:latin typeface="Ubuntu"/>
-            </a:rPr>
-            <a:t> </a:t>
-          </a:r>
-          <a:r>
-            <a:rPr lang="en-US" sz="1200" kern="1200" noProof="0" dirty="0">
-              <a:solidFill>
-                <a:srgbClr val="000000"/>
-              </a:solidFill>
-              <a:latin typeface="Ubuntu"/>
-            </a:rPr>
-            <a:t>user</a:t>
-          </a:r>
-          <a:r>
-            <a:rPr lang="tr-TR" sz="1200" kern="1200" noProof="0" dirty="0">
-              <a:solidFill>
-                <a:srgbClr val="000000"/>
-              </a:solidFill>
-              <a:latin typeface="Ubuntu"/>
-            </a:rPr>
-            <a:t> </a:t>
-          </a:r>
-          <a:r>
-            <a:rPr lang="en-US" sz="1200" kern="1200" noProof="0" dirty="0">
-              <a:solidFill>
-                <a:srgbClr val="000000"/>
-              </a:solidFill>
-              <a:latin typeface="Ubuntu"/>
-            </a:rPr>
-            <a:t>position data</a:t>
-          </a:r>
-          <a:endParaRPr lang="en-US" sz="1200" kern="1200" noProof="0" dirty="0"/>
+          <a:endParaRPr lang="en-US" sz="1100" kern="1200" noProof="0" dirty="0"/>
         </a:p>
       </dsp:txBody>
       <dsp:txXfrm>
@@ -3736,12 +3580,12 @@
         <a:fontRef idx="minor"/>
       </dsp:style>
       <dsp:txBody>
-        <a:bodyPr spcFirstLastPara="0" vert="horz" wrap="square" lIns="45720" tIns="45720" rIns="45720" bIns="45720" numCol="1" spcCol="1270" anchor="ctr" anchorCtr="0">
+        <a:bodyPr spcFirstLastPara="0" vert="horz" wrap="square" lIns="41910" tIns="41910" rIns="41910" bIns="41910" numCol="1" spcCol="1270" anchor="ctr" anchorCtr="0">
           <a:noAutofit/>
         </a:bodyPr>
         <a:lstStyle/>
         <a:p>
-          <a:pPr lvl="0" algn="ctr" defTabSz="533400">
+          <a:pPr lvl="0" algn="ctr" defTabSz="488950">
             <a:lnSpc>
               <a:spcPct val="90000"/>
             </a:lnSpc>
@@ -3753,9 +3597,10 @@
             </a:spcAft>
           </a:pPr>
           <a:r>
-            <a:rPr lang="en-US" sz="1200" kern="1200" noProof="0" dirty="0"/>
-            <a:t>Preprocess video frame</a:t>
+            <a:rPr lang="tr-TR" sz="1100" kern="1200" noProof="0" dirty="0" smtClean="0"/>
+            <a:t>Video Karesi İşleme</a:t>
           </a:r>
+          <a:endParaRPr lang="en-US" sz="1100" kern="1200" noProof="0" dirty="0"/>
         </a:p>
       </dsp:txBody>
       <dsp:txXfrm>
@@ -3864,12 +3709,12 @@
         <a:fontRef idx="minor"/>
       </dsp:style>
       <dsp:txBody>
-        <a:bodyPr spcFirstLastPara="0" vert="horz" wrap="square" lIns="45720" tIns="45720" rIns="45720" bIns="45720" numCol="1" spcCol="1270" anchor="ctr" anchorCtr="0">
+        <a:bodyPr spcFirstLastPara="0" vert="horz" wrap="square" lIns="41910" tIns="41910" rIns="41910" bIns="41910" numCol="1" spcCol="1270" anchor="ctr" anchorCtr="0">
           <a:noAutofit/>
         </a:bodyPr>
         <a:lstStyle/>
         <a:p>
-          <a:pPr lvl="0" algn="ctr" defTabSz="533400">
+          <a:pPr lvl="0" algn="ctr" defTabSz="488950">
             <a:lnSpc>
               <a:spcPct val="90000"/>
             </a:lnSpc>
@@ -3881,9 +3726,10 @@
             </a:spcAft>
           </a:pPr>
           <a:r>
-            <a:rPr lang="en-US" sz="1200" kern="1200" noProof="0" dirty="0"/>
-            <a:t>Save frame </a:t>
+            <a:rPr lang="tr-TR" sz="1100" kern="1200" noProof="0" dirty="0" smtClean="0"/>
+            <a:t>Tespit Edilen Kareyi Kaydetme</a:t>
           </a:r>
+          <a:endParaRPr lang="en-US" sz="1100" kern="1200" noProof="0" dirty="0"/>
         </a:p>
       </dsp:txBody>
       <dsp:txXfrm>
@@ -4188,10 +4034,8 @@
             </a:spcAft>
           </a:pPr>
           <a:r>
-            <a:rPr lang="en-US" sz="1100" kern="1200" noProof="0" dirty="0">
-              <a:latin typeface="Ubuntu"/>
-            </a:rPr>
-            <a:t>Receive the user position</a:t>
+            <a:rPr lang="tr-TR" sz="1100" kern="1200" noProof="0" dirty="0" smtClean="0"/>
+            <a:t>Kullanıcının X ve Y Koordinatlarını Alma</a:t>
           </a:r>
           <a:endParaRPr lang="en-US" sz="1100" kern="1200" noProof="0" dirty="0"/>
         </a:p>
@@ -4321,10 +4165,8 @@
             </a:spcAft>
           </a:pPr>
           <a:r>
-            <a:rPr lang="en-US" sz="1100" kern="1200" noProof="0" dirty="0">
-              <a:latin typeface="Ubuntu"/>
-            </a:rPr>
-            <a:t>Calculate new camera orientation</a:t>
+            <a:rPr lang="tr-TR" sz="1100" kern="1200" noProof="0" dirty="0" smtClean="0"/>
+            <a:t>Kameranın Yeni Bulunduğu Pozisyonu Hesaplama</a:t>
           </a:r>
           <a:endParaRPr lang="en-US" sz="1100" kern="1200" noProof="0" dirty="0"/>
         </a:p>
@@ -4454,10 +4296,12 @@
             </a:spcAft>
           </a:pPr>
           <a:r>
-            <a:rPr lang="en-US" sz="1100" kern="1200" noProof="0" dirty="0">
-              <a:latin typeface="Ubuntu"/>
-            </a:rPr>
-            <a:t>Compare the new orientation with the current one</a:t>
+            <a:rPr lang="tr-TR" sz="1100" kern="1200" noProof="0" dirty="0" smtClean="0"/>
+            <a:t>Kameranı</a:t>
+          </a:r>
+          <a:r>
+            <a:rPr lang="tr-TR" sz="1100" kern="1200" baseline="0" noProof="0" dirty="0" smtClean="0"/>
+            <a:t>n anlık ve yeni pozisyonun karşılaştırılması</a:t>
           </a:r>
           <a:endParaRPr lang="en-US" sz="1100" kern="1200" noProof="0" dirty="0"/>
         </a:p>
@@ -4587,34 +4431,10 @@
             </a:spcAft>
           </a:pPr>
           <a:r>
-            <a:rPr lang="en-US" sz="1100" kern="1200" noProof="0" dirty="0">
+            <a:rPr lang="tr-TR" sz="1100" kern="1200" noProof="0" dirty="0" smtClean="0">
               <a:latin typeface="Ubuntu"/>
             </a:rPr>
-            <a:t>Move the camera platform</a:t>
-          </a:r>
-          <a:r>
-            <a:rPr lang="tr-TR" sz="1100" kern="1200" noProof="0" dirty="0">
-              <a:latin typeface="Ubuntu"/>
-            </a:rPr>
-            <a:t>, </a:t>
-          </a:r>
-          <a:r>
-            <a:rPr lang="tr-TR" sz="1100" kern="1200" noProof="0" dirty="0" err="1">
-              <a:latin typeface="Ubuntu"/>
-            </a:rPr>
-            <a:t>if</a:t>
-          </a:r>
-          <a:r>
-            <a:rPr lang="tr-TR" sz="1100" kern="1200" noProof="0" dirty="0">
-              <a:latin typeface="Ubuntu"/>
-            </a:rPr>
-            <a:t> </a:t>
-          </a:r>
-          <a:r>
-            <a:rPr lang="tr-TR" sz="1100" kern="1200" noProof="0" dirty="0" err="1">
-              <a:latin typeface="Ubuntu"/>
-            </a:rPr>
-            <a:t>necesaary</a:t>
+            <a:t>Kamera Hareketi</a:t>
           </a:r>
           <a:endParaRPr lang="en-US" sz="1100" kern="1200" noProof="0" dirty="0"/>
         </a:p>
@@ -7904,7 +7724,7 @@
           <a:p>
             <a:fld id="{262AC493-898A-4CDF-A58F-8634A7B41800}" type="datetimeFigureOut">
               <a:rPr lang="en-US" smtClean="0"/>
-              <a:t>5/27/2018</a:t>
+              <a:t>6/6/2018</a:t>
             </a:fld>
             <a:endParaRPr lang="en-US"/>
           </a:p>
@@ -9747,8 +9567,8 @@
         </p:nvSpPr>
         <p:spPr>
           <a:xfrm>
-            <a:off x="360000" y="11509920"/>
-            <a:ext cx="4572000" cy="9514080"/>
+            <a:off x="360000" y="11820166"/>
+            <a:ext cx="4572000" cy="9108053"/>
           </a:xfrm>
           <a:prstGeom prst="rect">
             <a:avLst/>
@@ -9768,15 +9588,15 @@
           <a:p>
             <a:pPr algn="ctr"/>
             <a:r>
-              <a:rPr lang="en-US" sz="2800" b="1" dirty="0">
+              <a:rPr lang="tr-TR" sz="2800" b="1" dirty="0" smtClean="0">
                 <a:solidFill>
                   <a:schemeClr val="accent2"/>
                 </a:solidFill>
                 <a:latin typeface="Ubuntu"/>
               </a:rPr>
-              <a:t>Solution</a:t>
+              <a:t>Çözüm</a:t>
             </a:r>
-            <a:endParaRPr lang="en-US" sz="2800" dirty="0">
+            <a:endParaRPr lang="tr-TR" sz="2800" dirty="0" smtClean="0">
               <a:solidFill>
                 <a:schemeClr val="accent2"/>
               </a:solidFill>
@@ -9785,120 +9605,75 @@
           <a:p>
             <a:pPr algn="just"/>
             <a:r>
-              <a:rPr lang="en-US" sz="1700" dirty="0">
-                <a:solidFill>
-                  <a:srgbClr val="000000"/>
-                </a:solidFill>
-                <a:latin typeface="+mj-lt"/>
-              </a:rPr>
-              <a:t>CuriousCam system has two major hardware: an android smartphone to record video and track the user/lecturer; and a camera/phone platform to provide the camera with a stable stand and to automatically change its orientation. </a:t>
+              <a:rPr lang="tr-TR" sz="1600" dirty="0" err="1" smtClean="0"/>
+              <a:t>CuriousCam</a:t>
+            </a:r>
+            <a:r>
+              <a:rPr lang="tr-TR" sz="1600" dirty="0" smtClean="0"/>
+              <a:t> sistemi iki ana donanıma sahiptir:</a:t>
             </a:r>
           </a:p>
           <a:p>
             <a:pPr algn="just"/>
-            <a:endParaRPr lang="en-US" sz="1700" dirty="0">
-              <a:solidFill>
-                <a:srgbClr val="000000"/>
-              </a:solidFill>
-              <a:latin typeface="+mj-lt"/>
-            </a:endParaRPr>
+            <a:endParaRPr lang="tr-TR" sz="1600" dirty="0" smtClean="0"/>
+          </a:p>
+          <a:p>
+            <a:pPr marL="342900" indent="-342900" algn="just">
+              <a:buAutoNum type="arabicParenR"/>
+            </a:pPr>
+            <a:r>
+              <a:rPr lang="tr-TR" sz="1600" dirty="0" smtClean="0"/>
+              <a:t>Konuşmacıyı sahnede algılayıp / takip etmek için bir </a:t>
+            </a:r>
+            <a:r>
+              <a:rPr lang="tr-TR" sz="1600" dirty="0" err="1" smtClean="0"/>
+              <a:t>Android</a:t>
+            </a:r>
+            <a:r>
+              <a:rPr lang="tr-TR" sz="1600" dirty="0" smtClean="0"/>
+              <a:t> yazılıma sahip akıllı telefon kullanmak</a:t>
+            </a:r>
+          </a:p>
+          <a:p>
+            <a:pPr marL="342900" indent="-342900" algn="just">
+              <a:buAutoNum type="arabicParenR"/>
+            </a:pPr>
+            <a:r>
+              <a:rPr lang="tr-TR" sz="1600" dirty="0" smtClean="0"/>
+              <a:t>Kameraya sabit bir zemin sağlamak ve yönünü otomatik olarak değiştirmek için bir kamera / telefon platformu oluşturmaktır.</a:t>
+            </a:r>
           </a:p>
           <a:p>
             <a:pPr algn="just"/>
             <a:r>
-              <a:rPr lang="en-US" sz="1700" dirty="0">
-                <a:solidFill>
-                  <a:srgbClr val="000000"/>
-                </a:solidFill>
-                <a:latin typeface="+mj-lt"/>
-              </a:rPr>
-              <a:t>In terms of software, a java program using OpenCV in smartphone records video, detects the user in space and send the user position data to the camera platform. </a:t>
+              <a:rPr lang="tr-TR" sz="1600" dirty="0" smtClean="0"/>
+              <a:t>Video kayıt sırasında Java ile yazılan </a:t>
             </a:r>
             <a:r>
-              <a:rPr lang="tr-TR" sz="1700" dirty="0" err="1">
-                <a:solidFill>
-                  <a:srgbClr val="000000"/>
-                </a:solidFill>
-                <a:latin typeface="+mj-lt"/>
-              </a:rPr>
-              <a:t>Besides</a:t>
+              <a:rPr lang="tr-TR" sz="1600" dirty="0" err="1" smtClean="0"/>
+              <a:t>Android</a:t>
             </a:r>
             <a:r>
-              <a:rPr lang="en-US" sz="1700" dirty="0">
-                <a:solidFill>
-                  <a:srgbClr val="000000"/>
-                </a:solidFill>
-                <a:latin typeface="+mj-lt"/>
-              </a:rPr>
-              <a:t>, a program in Raspberry Pi receives user position data and </a:t>
+              <a:rPr lang="tr-TR" sz="1600" dirty="0" smtClean="0"/>
+              <a:t> program kullanılarak, OPENCV kütüphanesi temelinde </a:t>
             </a:r>
             <a:r>
-              <a:rPr lang="tr-TR" sz="1700" dirty="0" err="1">
-                <a:solidFill>
-                  <a:srgbClr val="000000"/>
-                </a:solidFill>
-                <a:latin typeface="+mj-lt"/>
-              </a:rPr>
-              <a:t>manages</a:t>
+              <a:rPr lang="tr-TR" sz="1600" dirty="0" err="1" smtClean="0"/>
+              <a:t>Phyton</a:t>
             </a:r>
             <a:r>
-              <a:rPr lang="tr-TR" sz="1700" dirty="0">
-                <a:solidFill>
-                  <a:srgbClr val="000000"/>
-                </a:solidFill>
-                <a:latin typeface="+mj-lt"/>
-              </a:rPr>
-              <a:t> </a:t>
+              <a:rPr lang="tr-TR" sz="1600" dirty="0" smtClean="0"/>
+              <a:t> dili ile geliştirilen yüz tanıma teknolojisi ile kullanıcı sahnede algılanır. Ardından mikro denetleyici olarak kullanılan </a:t>
             </a:r>
             <a:r>
-              <a:rPr lang="tr-TR" sz="1700" dirty="0" err="1">
-                <a:solidFill>
-                  <a:srgbClr val="000000"/>
-                </a:solidFill>
-                <a:latin typeface="+mj-lt"/>
-              </a:rPr>
-              <a:t>the</a:t>
+              <a:rPr lang="tr-TR" sz="1600" dirty="0" err="1" smtClean="0"/>
+              <a:t>Raspberry</a:t>
             </a:r>
             <a:r>
-              <a:rPr lang="en-US" sz="1700" dirty="0">
-                <a:solidFill>
-                  <a:srgbClr val="000000"/>
-                </a:solidFill>
-                <a:latin typeface="+mj-lt"/>
-              </a:rPr>
-              <a:t> camera platform.  The algorithms of </a:t>
+              <a:rPr lang="tr-TR" sz="1600" dirty="0" smtClean="0"/>
+              <a:t> Pi 3, oluşturulan Wİ-Fi sunucu aracılığı ile konuşmacının X ve Y koordinatlarını alarak kamera platformunu yönetir. Yazılımın algoritmaları aşağıdaki gibidir :</a:t>
             </a:r>
-            <a:r>
-              <a:rPr lang="tr-TR" sz="1700" dirty="0" err="1">
-                <a:solidFill>
-                  <a:srgbClr val="000000"/>
-                </a:solidFill>
-                <a:latin typeface="+mj-lt"/>
-              </a:rPr>
-              <a:t>the</a:t>
-            </a:r>
-            <a:r>
-              <a:rPr lang="tr-TR" sz="1700" dirty="0">
-                <a:solidFill>
-                  <a:srgbClr val="000000"/>
-                </a:solidFill>
-                <a:latin typeface="+mj-lt"/>
-              </a:rPr>
-              <a:t> </a:t>
-            </a:r>
-            <a:r>
-              <a:rPr lang="en-US" sz="1700" dirty="0">
-                <a:solidFill>
-                  <a:srgbClr val="000000"/>
-                </a:solidFill>
-                <a:latin typeface="+mj-lt"/>
-              </a:rPr>
-              <a:t>software are as follow.</a:t>
-            </a:r>
-          </a:p>
-          <a:p>
-            <a:pPr algn="just"/>
-            <a:endParaRPr lang="en-US" dirty="0">
+            <a:endParaRPr lang="tr-TR" dirty="0" smtClean="0">
               <a:solidFill>
                 <a:srgbClr val="000000"/>
               </a:solidFill>
@@ -9960,7 +9735,34 @@
                 </a:solidFill>
                 <a:latin typeface="Ubuntu"/>
               </a:rPr>
-              <a:t>CURIOUS CAM For VIDEO LECTURE RECORDING </a:t>
+              <a:t>CURIOUS CAM </a:t>
+            </a:r>
+            <a:r>
+              <a:rPr lang="tr-TR" sz="3200" b="1">
+                <a:solidFill>
+                  <a:schemeClr val="accent2"/>
+                </a:solidFill>
+                <a:latin typeface="Ubuntu"/>
+              </a:rPr>
+              <a:t>F</a:t>
+            </a:r>
+            <a:r>
+              <a:rPr lang="en-US" sz="3200" b="1" smtClean="0">
+                <a:solidFill>
+                  <a:schemeClr val="accent2"/>
+                </a:solidFill>
+                <a:latin typeface="Ubuntu"/>
+              </a:rPr>
+              <a:t>or </a:t>
+            </a:r>
+            <a:r>
+              <a:rPr lang="en-US" sz="3200" b="1" dirty="0">
+                <a:solidFill>
+                  <a:schemeClr val="accent2"/>
+                </a:solidFill>
+                <a:latin typeface="Ubuntu"/>
+              </a:rPr>
+              <a:t>VIDEO LECTURE RECORDING </a:t>
             </a:r>
           </a:p>
           <a:p>
@@ -10039,22 +9841,28 @@
           <a:p>
             <a:pPr algn="ctr"/>
             <a:r>
-              <a:rPr lang="en-US" sz="3000" dirty="0">
+              <a:rPr lang="tr-TR" sz="3000" dirty="0" smtClean="0">
                 <a:latin typeface="Ubuntu"/>
               </a:rPr>
-              <a:t>Asst. Prof. </a:t>
+              <a:t>Danışman : Yrd. Doç. Dr. </a:t>
             </a:r>
             <a:r>
-              <a:rPr lang="en-US" sz="3000" dirty="0" err="1">
+              <a:rPr lang="en-US" sz="3000" dirty="0" err="1" smtClean="0">
                 <a:latin typeface="Ubuntu"/>
               </a:rPr>
               <a:t>Abdül</a:t>
             </a:r>
             <a:r>
+              <a:rPr lang="en-US" sz="3000" dirty="0" smtClean="0">
+                <a:latin typeface="Ubuntu"/>
+              </a:rPr>
+              <a:t> </a:t>
+            </a:r>
+            <a:r>
               <a:rPr lang="en-US" sz="3000" dirty="0">
                 <a:latin typeface="Ubuntu"/>
               </a:rPr>
-              <a:t> Kadir GÖRÜR</a:t>
+              <a:t>Kadir GÖRÜR</a:t>
             </a:r>
             <a:endParaRPr lang="en-US" dirty="0"/>
           </a:p>
@@ -10083,99 +9891,37 @@
               <a:t> </a:t>
             </a:r>
             <a:r>
-              <a:rPr lang="en-US" sz="3000" b="1" dirty="0" smtClean="0">
+              <a:rPr lang="tr-TR" sz="3000" b="1" dirty="0" err="1" smtClean="0">
                 <a:solidFill>
                   <a:schemeClr val="accent2"/>
                 </a:solidFill>
                 <a:latin typeface="Ubuntu"/>
               </a:rPr>
-              <a:t>University </a:t>
+              <a:t>Ü</a:t>
             </a:r>
             <a:r>
-              <a:rPr lang="en-US" sz="3000" b="1" dirty="0">
+              <a:rPr lang="en-US" sz="3000" b="1" dirty="0" err="1" smtClean="0">
                 <a:solidFill>
                   <a:schemeClr val="accent2"/>
                 </a:solidFill>
                 <a:latin typeface="Ubuntu"/>
               </a:rPr>
-              <a:t>Department of Computer Engineering</a:t>
+              <a:t>niversit</a:t>
+            </a:r>
+            <a:r>
+              <a:rPr lang="tr-TR" sz="3000" b="1" dirty="0" smtClean="0">
+                <a:solidFill>
+                  <a:schemeClr val="accent2"/>
+                </a:solidFill>
+                <a:latin typeface="Ubuntu"/>
+              </a:rPr>
+              <a:t>esi Bilgisayar Mühendisliği Bölümü</a:t>
             </a:r>
             <a:endParaRPr lang="en-US" dirty="0">
               <a:solidFill>
                 <a:schemeClr val="accent2"/>
               </a:solidFill>
             </a:endParaRPr>
-          </a:p>
-        </p:txBody>
-      </p:sp>
-      <p:sp>
-        <p:nvSpPr>
-          <p:cNvPr id="16" name="Metin kutusu 15">
-            <a:extLst>
-              <a:ext uri="{FF2B5EF4-FFF2-40B4-BE49-F238E27FC236}">
-                <a16:creationId xmlns:a16="http://schemas.microsoft.com/office/drawing/2014/main" xmlns="" id="{9C6FFAC3-6136-4475-9491-D97F4F2E36F0}"/>
-              </a:ext>
-            </a:extLst>
-          </p:cNvPr>
-          <p:cNvSpPr txBox="1"/>
-          <p:nvPr/>
-        </p:nvSpPr>
-        <p:spPr>
-          <a:xfrm>
-            <a:off x="360000" y="20353492"/>
-            <a:ext cx="4572000" cy="670508"/>
-          </a:xfrm>
-          <a:prstGeom prst="rect">
-            <a:avLst/>
-          </a:prstGeom>
-          <a:ln w="19050"/>
-        </p:spPr>
-        <p:style>
-          <a:lnRef idx="1">
-            <a:schemeClr val="accent2"/>
-          </a:lnRef>
-          <a:fillRef idx="2">
-            <a:schemeClr val="accent2"/>
-          </a:fillRef>
-          <a:effectRef idx="1">
-            <a:schemeClr val="accent2"/>
-          </a:effectRef>
-          <a:fontRef idx="minor">
-            <a:schemeClr val="dk1"/>
-          </a:fontRef>
-        </p:style>
-        <p:txBody>
-          <a:bodyPr spcFirstLastPara="0" vert="horz" wrap="square" lIns="41910" tIns="41910" rIns="41910" bIns="41910" numCol="1" spcCol="1270" anchor="ctr" anchorCtr="0">
-            <a:noAutofit/>
-          </a:bodyPr>
-          <a:lstStyle>
-            <a:lvl1pPr>
-              <a:defRPr>
-                <a:latin typeface="Ubuntu"/>
-              </a:defRPr>
-            </a:lvl1pPr>
-          </a:lstStyle>
-          <a:p>
-            <a:r>
-              <a:rPr lang="en-US" sz="1100" dirty="0"/>
-              <a:t>The camera platform is moved only if the new position is different enough. Small changes of the user is not directly applied. Otherwise, the camera moves too much and might cause undesirable </a:t>
-            </a:r>
-            <a:r>
-              <a:rPr lang="tr-TR" sz="1100" dirty="0" err="1"/>
-              <a:t>effects</a:t>
-            </a:r>
-            <a:r>
-              <a:rPr lang="en-US" sz="1100" dirty="0"/>
-              <a:t> </a:t>
-            </a:r>
-            <a:r>
-              <a:rPr lang="tr-TR" sz="1100" dirty="0"/>
-              <a:t>on</a:t>
-            </a:r>
-            <a:r>
-              <a:rPr lang="en-US" sz="1100" dirty="0"/>
-              <a:t> the video.</a:t>
-            </a:r>
           </a:p>
         </p:txBody>
       </p:sp>
@@ -10231,8 +9977,8 @@
         </p:nvSpPr>
         <p:spPr>
           <a:xfrm>
-            <a:off x="360000" y="3960000"/>
-            <a:ext cx="4572000" cy="7379884"/>
+            <a:off x="360000" y="3959999"/>
+            <a:ext cx="4572000" cy="7751975"/>
           </a:xfrm>
           <a:prstGeom prst="rect">
             <a:avLst/>
@@ -10252,14 +9998,14 @@
           <a:p>
             <a:pPr algn="ctr"/>
             <a:r>
-              <a:rPr lang="en-US" sz="3000" b="1" dirty="0">
+              <a:rPr lang="tr-TR" sz="3000" b="1" dirty="0" smtClean="0">
                 <a:solidFill>
                   <a:schemeClr val="accent2"/>
                 </a:solidFill>
               </a:rPr>
-              <a:t>Abstract</a:t>
+              <a:t>Özet</a:t>
             </a:r>
-            <a:endParaRPr lang="en-US" dirty="0">
+            <a:endParaRPr lang="tr-TR" dirty="0" smtClean="0">
               <a:solidFill>
                 <a:schemeClr val="accent2"/>
               </a:solidFill>
@@ -10268,32 +10014,28 @@
           <a:p>
             <a:pPr algn="just"/>
             <a:r>
-              <a:rPr lang="en-US" dirty="0" smtClean="0"/>
-              <a:t>Nowadays </a:t>
-            </a:r>
-            <a:r>
-              <a:rPr lang="en-US" dirty="0"/>
-              <a:t>the use and importance of e-learning continue to increase, and it is well-known fact that one of the important components of e-learning is video lectures with video lectures students can view and study the instructor’s lectures. Therefore, preparation of video lecture became an important issue. In order to increase the quality of video and to bring the traditional classroom environment to the video course environment, cameraman who will follow the lecturer movements is required. For some people, the presence of the cameraman can lead to stress and may degrade their teaching performance. In this respect design and implementation of a camera platform that mimics cameraman shooting techniques such as following the instructor movements will provide a more comfortable environment for video lecture recording.</a:t>
+              <a:rPr lang="tr-TR" dirty="0" smtClean="0"/>
+              <a:t>Günümüzde elektronik öğrenmenin kullanımı ve önemi artmaya devam etmektedir ve elektronik öğrenmenin önemli bileşenlerinden birinin video konferans olması iyi bilinmektedir. Video konferanslarla öğrenciler, öğretim görevlisinin derslerini istedikleri sıklıkta görüntüleyebilir ve inceleyebilirler. Bu nedenle video konferansının hazırlanması önemli bir konudur. Videonun kalitesini arttırmak ve geleneksel sınıf ortamını video kursu ortamına getirmek için öğretim görevlisinin hareketlerini izleyecek kameraman gerekir. Bazı insanlar için kameraman varlığı strese neden olabilir ve öğretme performansını düşürebilir. Bu nedenle, eğitmen hareketlerini izlemek gibi kameraman çekim tekniklerini taklit eden bir kamera platformunun tasarımı ve uygulanması, video konferans kaydı için daha rahat bir ortam sağlayacaktır. </a:t>
             </a:r>
           </a:p>
           <a:p>
             <a:pPr algn="just"/>
-            <a:endParaRPr lang="en-US" dirty="0">
+            <a:endParaRPr lang="tr-TR" dirty="0" smtClean="0">
               <a:latin typeface="Ubuntu"/>
             </a:endParaRPr>
           </a:p>
           <a:p>
             <a:pPr algn="just"/>
             <a:r>
-              <a:rPr lang="en-US" b="1" dirty="0">
+              <a:rPr lang="tr-TR" b="1" dirty="0" smtClean="0">
                 <a:solidFill>
                   <a:schemeClr val="accent2"/>
                 </a:solidFill>
               </a:rPr>
-              <a:t>Keywords</a:t>
+              <a:t>Anahtar Kelimeler</a:t>
             </a:r>
             <a:r>
-              <a:rPr lang="en-US" dirty="0">
+              <a:rPr lang="tr-TR" dirty="0" smtClean="0">
                 <a:solidFill>
                   <a:schemeClr val="accent2"/>
                 </a:solidFill>
@@ -10302,50 +10044,26 @@
               <a:t>: </a:t>
             </a:r>
             <a:r>
-              <a:rPr lang="en-US" dirty="0">
+              <a:rPr lang="tr-TR" dirty="0" smtClean="0">
                 <a:latin typeface="Ubuntu"/>
               </a:rPr>
-              <a:t>Video Recording, Face Detection, Object Tracking, </a:t>
+              <a:t>Elektronik öğrenme, video kayıt sistemi, görüntü işleme, video işleme, ses işleme, görüntü işlemede </a:t>
             </a:r>
             <a:r>
-              <a:rPr lang="en-US" dirty="0" err="1">
+              <a:rPr lang="tr-TR" dirty="0" err="1" smtClean="0">
                 <a:latin typeface="Ubuntu"/>
               </a:rPr>
-              <a:t>OpenCV</a:t>
+              <a:t>Raspberry</a:t>
             </a:r>
             <a:r>
-              <a:rPr lang="en-US" dirty="0">
+              <a:rPr lang="tr-TR" dirty="0" smtClean="0">
                 <a:latin typeface="Ubuntu"/>
               </a:rPr>
-              <a:t>. </a:t>
+              <a:t>-Pi kullanımı.</a:t>
             </a:r>
-            <a:endParaRPr lang="en-US" dirty="0"/>
+            <a:endParaRPr lang="tr-TR" dirty="0"/>
           </a:p>
         </p:txBody>
-      </p:sp>
-      <p:sp>
-        <p:nvSpPr>
-          <p:cNvPr id="41" name="CustomShape 3"/>
-          <p:cNvSpPr/>
-          <p:nvPr/>
-        </p:nvSpPr>
-        <p:spPr>
-          <a:xfrm>
-            <a:off x="5262802" y="6609240"/>
-            <a:ext cx="4475160" cy="4540680"/>
-          </a:xfrm>
-          <a:prstGeom prst="rect">
-            <a:avLst/>
-          </a:prstGeom>
-          <a:solidFill>
-            <a:srgbClr val="E6E6E6"/>
-          </a:solidFill>
-          <a:ln>
-            <a:solidFill>
-              <a:srgbClr val="C5000B"/>
-            </a:solidFill>
-          </a:ln>
-        </p:spPr>
       </p:sp>
       <p:sp>
         <p:nvSpPr>
@@ -10356,7 +10074,7 @@
         <p:spPr>
           <a:xfrm>
             <a:off x="5206500" y="3960000"/>
-            <a:ext cx="4572000" cy="2483340"/>
+            <a:ext cx="4572000" cy="3275428"/>
           </a:xfrm>
           <a:prstGeom prst="rect">
             <a:avLst/>
@@ -10376,15 +10094,15 @@
           <a:p>
             <a:pPr algn="ctr"/>
             <a:r>
-              <a:rPr lang="en-US" sz="3000" b="1" dirty="0">
+              <a:rPr lang="tr-TR" sz="3000" b="1" dirty="0" smtClean="0">
                 <a:solidFill>
                   <a:schemeClr val="accent2"/>
                 </a:solidFill>
                 <a:latin typeface="+mj-lt"/>
               </a:rPr>
-              <a:t>Introduction</a:t>
+              <a:t>Giriş </a:t>
             </a:r>
-            <a:endParaRPr lang="en-US" dirty="0">
+            <a:endParaRPr lang="tr-TR" dirty="0" smtClean="0">
               <a:solidFill>
                 <a:schemeClr val="accent2"/>
               </a:solidFill>
@@ -10394,21 +10112,34 @@
           <a:p>
             <a:pPr algn="just"/>
             <a:r>
-              <a:rPr lang="en-US" dirty="0" err="1"/>
-              <a:t>Seniour</a:t>
+              <a:rPr lang="tr-TR" dirty="0" smtClean="0"/>
+              <a:t>Bu proje ile hareket </a:t>
             </a:r>
             <a:r>
-              <a:rPr lang="en-US" dirty="0"/>
-              <a:t> Project is </a:t>
+              <a:rPr lang="tr-TR" dirty="0" err="1" smtClean="0"/>
+              <a:t>sensörlerinden</a:t>
             </a:r>
             <a:r>
-              <a:rPr lang="en-US" dirty="0" err="1"/>
-              <a:t>CuriousCam</a:t>
+              <a:rPr lang="tr-TR" dirty="0" smtClean="0"/>
+              <a:t> ve ses </a:t>
             </a:r>
             <a:r>
-              <a:rPr lang="en-US" dirty="0"/>
-              <a:t> for Video Lecture Recording Environment. This camera system, without the need for any cameraman, speaker's attention is conceived in order to distribute, creates a more comfortable environment by following the movements of the instructor.</a:t>
+              <a:rPr lang="tr-TR" dirty="0" err="1" smtClean="0"/>
+              <a:t>sensörlerinden</a:t>
             </a:r>
+            <a:r>
+              <a:rPr lang="tr-TR" dirty="0" smtClean="0"/>
+              <a:t> sürekli girdiler alıp, </a:t>
+            </a:r>
+            <a:r>
+              <a:rPr lang="tr-TR" dirty="0" err="1" smtClean="0"/>
+              <a:t>servo</a:t>
+            </a:r>
+            <a:r>
+              <a:rPr lang="tr-TR" dirty="0" smtClean="0"/>
+              <a:t> motor kullanarak kamera platformunu kontrol edecek bir mikro denetleyici ile video konferans ortamı sağlamayı amaçlamaktadır. Buna ek olarak, yüz tanıma için görüntü işleme alt sistemi de çekim ortamında birden fazla kişinin olması durumunda kameranın eğiticiyi takip etmesini sağlamak için entegre edildi.  </a:t>
+            </a:r>
+            <a:endParaRPr lang="tr-TR" dirty="0"/>
           </a:p>
         </p:txBody>
       </p:sp>
@@ -10420,8 +10151,8 @@
         </p:nvSpPr>
         <p:spPr>
           <a:xfrm>
-            <a:off x="10188000" y="9347760"/>
-            <a:ext cx="4572000" cy="4728428"/>
+            <a:off x="10188000" y="10043740"/>
+            <a:ext cx="4572000" cy="6932002"/>
           </a:xfrm>
           <a:prstGeom prst="rect">
             <a:avLst/>
@@ -10441,22 +10172,17 @@
           <a:p>
             <a:pPr algn="ctr"/>
             <a:r>
-              <a:rPr lang="en-US" sz="3000" b="1" dirty="0">
+              <a:rPr lang="tr-TR" sz="3000" b="1" dirty="0" smtClean="0">
                 <a:solidFill>
                   <a:schemeClr val="accent2"/>
                 </a:solidFill>
                 <a:latin typeface="Ubuntu"/>
               </a:rPr>
-              <a:t>Results &amp; Conclusion</a:t>
+              <a:t>Sonuç &amp; Çıkarımlar</a:t>
             </a:r>
-            <a:endParaRPr lang="en-US" dirty="0">
-              <a:solidFill>
-                <a:schemeClr val="accent2"/>
-              </a:solidFill>
-            </a:endParaRPr>
           </a:p>
           <a:p>
-            <a:pPr algn="just"/>
+            <a:pPr algn="ctr"/>
             <a:endParaRPr lang="tr-TR" dirty="0" smtClean="0">
               <a:solidFill>
                 <a:srgbClr val="000000"/>
@@ -10465,81 +10191,17 @@
             </a:endParaRPr>
           </a:p>
           <a:p>
-            <a:pPr algn="just"/>
             <a:r>
-              <a:rPr lang="en-US" dirty="0" smtClean="0">
+              <a:rPr lang="en-US" sz="2200" dirty="0" err="1" smtClean="0">
                 <a:solidFill>
                   <a:srgbClr val="000000"/>
                 </a:solidFill>
                 <a:ea typeface="Times New Roman"/>
               </a:rPr>
-              <a:t>Curious </a:t>
+              <a:t>CuriousCam</a:t>
             </a:r>
             <a:r>
-              <a:rPr lang="en-US" dirty="0">
-                <a:solidFill>
-                  <a:srgbClr val="000000"/>
-                </a:solidFill>
-                <a:ea typeface="Times New Roman"/>
-              </a:rPr>
-              <a:t>Cam for Video Lecture Recording Environment is a project where technically different technologies work in harmony with each other. The project is used to record a video of the classroom environment without the help of any cameraman. It keeps track of the movement of the professor using face detection algorithm. </a:t>
-            </a:r>
-            <a:r>
-              <a:rPr lang="tr-TR" dirty="0" smtClean="0">
-                <a:solidFill>
-                  <a:srgbClr val="000000"/>
-                </a:solidFill>
-                <a:ea typeface="Times New Roman"/>
-              </a:rPr>
-              <a:t>On </a:t>
-            </a:r>
-            <a:r>
-              <a:rPr lang="tr-TR" dirty="0" err="1" smtClean="0">
-                <a:solidFill>
-                  <a:srgbClr val="000000"/>
-                </a:solidFill>
-                <a:ea typeface="Times New Roman"/>
-              </a:rPr>
-              <a:t>the</a:t>
-            </a:r>
-            <a:r>
-              <a:rPr lang="tr-TR" dirty="0" smtClean="0">
-                <a:solidFill>
-                  <a:srgbClr val="000000"/>
-                </a:solidFill>
-                <a:ea typeface="Times New Roman"/>
-              </a:rPr>
-              <a:t> </a:t>
-            </a:r>
-            <a:r>
-              <a:rPr lang="tr-TR" dirty="0" err="1" smtClean="0">
-                <a:solidFill>
-                  <a:srgbClr val="000000"/>
-                </a:solidFill>
-                <a:ea typeface="Times New Roman"/>
-              </a:rPr>
-              <a:t>other</a:t>
-            </a:r>
-            <a:r>
-              <a:rPr lang="tr-TR" dirty="0" smtClean="0">
-                <a:solidFill>
-                  <a:srgbClr val="000000"/>
-                </a:solidFill>
-                <a:ea typeface="Times New Roman"/>
-              </a:rPr>
-              <a:t> </a:t>
-            </a:r>
-            <a:r>
-              <a:rPr lang="tr-TR" dirty="0" err="1" smtClean="0">
-                <a:solidFill>
-                  <a:srgbClr val="000000"/>
-                </a:solidFill>
-                <a:ea typeface="Times New Roman"/>
-              </a:rPr>
-              <a:t>hand</a:t>
-            </a:r>
-            <a:r>
-              <a:rPr lang="en-US" dirty="0" smtClean="0">
+              <a:rPr lang="tr-TR" sz="2200" dirty="0" smtClean="0">
                 <a:solidFill>
                   <a:srgbClr val="000000"/>
                 </a:solidFill>
@@ -10548,158 +10210,37 @@
               <a:t>, </a:t>
             </a:r>
             <a:r>
-              <a:rPr lang="en-US" dirty="0">
-                <a:solidFill>
-                  <a:srgbClr val="000000"/>
-                </a:solidFill>
-                <a:ea typeface="Times New Roman"/>
-              </a:rPr>
-              <a:t>detecting a face from the frame and meanwhile record the frame needs high CPU power. For this reason, the mobile application needs to be used on a smartphone with high CPU power to record the video with high resolution.</a:t>
-            </a:r>
-            <a:endParaRPr lang="en-US" dirty="0"/>
-          </a:p>
-        </p:txBody>
-      </p:sp>
-      <p:sp>
-        <p:nvSpPr>
-          <p:cNvPr id="46" name="CustomShape 8"/>
-          <p:cNvSpPr/>
-          <p:nvPr/>
-        </p:nvSpPr>
-        <p:spPr>
-          <a:xfrm>
-            <a:off x="10188000" y="14344560"/>
-            <a:ext cx="4572000" cy="2014977"/>
-          </a:xfrm>
-          <a:prstGeom prst="rect">
-            <a:avLst/>
-          </a:prstGeom>
-          <a:solidFill>
-            <a:srgbClr val="E6E6E6"/>
-          </a:solidFill>
-          <a:ln>
-            <a:solidFill>
-              <a:srgbClr val="C5000B"/>
-            </a:solidFill>
-          </a:ln>
-        </p:spPr>
-        <p:txBody>
-          <a:bodyPr lIns="90000" tIns="45000" rIns="90000" bIns="45000"/>
-          <a:lstStyle/>
-          <a:p>
-            <a:pPr algn="ctr"/>
-            <a:r>
-              <a:rPr lang="en-US" sz="3000" b="1" dirty="0">
-                <a:solidFill>
-                  <a:schemeClr val="accent2"/>
-                </a:solidFill>
-              </a:rPr>
-              <a:t>Acknowledgement</a:t>
-            </a:r>
-            <a:endParaRPr lang="en-US" dirty="0">
-              <a:solidFill>
-                <a:schemeClr val="accent2"/>
-              </a:solidFill>
-            </a:endParaRPr>
-          </a:p>
-          <a:p>
-            <a:pPr algn="just"/>
-            <a:r>
-              <a:rPr lang="en-US" dirty="0"/>
-              <a:t>We would like to thank</a:t>
+              <a:rPr lang="tr-TR" sz="2200" dirty="0" smtClean="0"/>
+              <a:t>teknik </a:t>
             </a:r>
             <a:r>
-              <a:rPr lang="tr-TR" dirty="0"/>
-              <a:t> </a:t>
+              <a:rPr lang="tr-TR" sz="2200" dirty="0"/>
+              <a:t>olarak farklı teknolojilerin birbirleriyle uyumlu çalıştığı bir projedir. Proje, herhangi bir kameramanın yardımı olmadan sınıf ortamının bir videosunu kaydetmek için kullanılır. Yüz algılama algoritmasını kullanarak </a:t>
             </a:r>
             <a:r>
-              <a:rPr lang="en-US" dirty="0" smtClean="0"/>
-              <a:t>our</a:t>
+              <a:rPr lang="tr-TR" sz="2200" dirty="0" smtClean="0"/>
+              <a:t>eğitmenin hareketini </a:t>
             </a:r>
             <a:r>
-              <a:rPr lang="tr-TR" dirty="0" smtClean="0"/>
-              <a:t> </a:t>
+              <a:rPr lang="tr-TR" sz="2200" dirty="0"/>
+              <a:t>takip eder. </a:t>
             </a:r>
             <a:r>
-              <a:rPr lang="tr-TR" dirty="0"/>
-              <a:t>advisor</a:t>
+              <a:rPr lang="tr-TR" sz="2200" dirty="0" smtClean="0"/>
+              <a:t>Diğer bir açıdan, kareden bir </a:t>
             </a:r>
             <a:r>
-              <a:rPr lang="en-US" dirty="0"/>
-              <a:t> Ass</a:t>
+              <a:rPr lang="tr-TR" sz="2200" dirty="0"/>
+              <a:t>yüzü algılamak ve </a:t>
             </a:r>
             <a:r>
-              <a:rPr lang="tr-TR" dirty="0"/>
-              <a:t>t.</a:t>
+              <a:rPr lang="tr-TR" sz="2200" dirty="0" smtClean="0"/>
+              <a:t>bu esnada kareyi kaydetmek </a:t>
             </a:r>
             <a:r>
-              <a:rPr lang="en-US" dirty="0"/>
-              <a:t> Prof</a:t>
+              <a:rPr lang="tr-TR" sz="2200" dirty="0"/>
+              <a:t>yüksek CPU gücü gerektirir. Bu nedenle, mobil uygulama, videoyu yüksek çözünürlükte kaydetmek için yüksek CPU gücüne sahip bir akıllı telefon üzerinde kullanılmalıdır.</a:t>
             </a:r>
-            <a:r>
-              <a:rPr lang="tr-TR" dirty="0"/>
-              <a:t>.</a:t>
-            </a:r>
-            <a:r>
-              <a:rPr lang="en-US" dirty="0"/>
-              <a:t> Dr</a:t>
-            </a:r>
-            <a:r>
-              <a:rPr lang="tr-TR" dirty="0"/>
-              <a:t>.</a:t>
-            </a:r>
-            <a:r>
-              <a:rPr lang="en-US" dirty="0"/>
-              <a:t> </a:t>
-            </a:r>
-            <a:r>
-              <a:rPr lang="en-US" dirty="0" smtClean="0"/>
-              <a:t>Abd</a:t>
-            </a:r>
-            <a:r>
-              <a:rPr lang="tr-TR" dirty="0" smtClean="0"/>
-              <a:t>ü</a:t>
-            </a:r>
-            <a:r>
-              <a:rPr lang="en-US" dirty="0" smtClean="0"/>
-              <a:t>l </a:t>
-            </a:r>
-            <a:r>
-              <a:rPr lang="en-US" dirty="0"/>
-              <a:t>Kadir </a:t>
-            </a:r>
-            <a:r>
-              <a:rPr lang="tr-TR" dirty="0"/>
-              <a:t>GÖRÜR </a:t>
-            </a:r>
-            <a:r>
-              <a:rPr lang="en-US" dirty="0"/>
-              <a:t>for his contribution</a:t>
-            </a:r>
-            <a:r>
-              <a:rPr lang="tr-TR" dirty="0"/>
-              <a:t> </a:t>
-            </a:r>
-            <a:r>
-              <a:rPr lang="en-US" dirty="0" smtClean="0"/>
-              <a:t>and</a:t>
-            </a:r>
-            <a:r>
-              <a:rPr lang="tr-TR" dirty="0" smtClean="0"/>
-              <a:t> </a:t>
-            </a:r>
-            <a:r>
-              <a:rPr lang="tr-TR" dirty="0" err="1"/>
-              <a:t>support</a:t>
-            </a:r>
-            <a:r>
-              <a:rPr lang="en-US" dirty="0"/>
-              <a:t> during the project.</a:t>
-            </a:r>
-          </a:p>
-          <a:p>
-            <a:pPr algn="just"/>
-            <a:endParaRPr lang="en-US" dirty="0"/>
           </a:p>
         </p:txBody>
       </p:sp>
@@ -10711,8 +10252,8 @@
         </p:nvSpPr>
         <p:spPr>
           <a:xfrm>
-            <a:off x="5262802" y="11452098"/>
-            <a:ext cx="4475161" cy="5523646"/>
+            <a:off x="5186424" y="7523460"/>
+            <a:ext cx="4592076" cy="8640959"/>
           </a:xfrm>
           <a:prstGeom prst="rect">
             <a:avLst/>
@@ -10735,8 +10276,8 @@
         </p:nvSpPr>
         <p:spPr>
           <a:xfrm>
-            <a:off x="5274000" y="17270640"/>
-            <a:ext cx="4447300" cy="3753360"/>
+            <a:off x="5169982" y="17270640"/>
+            <a:ext cx="4608518" cy="3753360"/>
           </a:xfrm>
           <a:prstGeom prst="rect">
             <a:avLst/>
@@ -10750,108 +10291,6 @@
             </a:solidFill>
           </a:ln>
         </p:spPr>
-      </p:sp>
-      <p:sp>
-        <p:nvSpPr>
-          <p:cNvPr id="58" name="TextShape 18"/>
-          <p:cNvSpPr txBox="1"/>
-          <p:nvPr/>
-        </p:nvSpPr>
-        <p:spPr>
-          <a:xfrm>
-            <a:off x="5903491" y="10691812"/>
-            <a:ext cx="2942280" cy="346320"/>
-          </a:xfrm>
-          <a:prstGeom prst="rect">
-            <a:avLst/>
-          </a:prstGeom>
-        </p:spPr>
-        <p:txBody>
-          <a:bodyPr wrap="none" lIns="90000" tIns="45000" rIns="90000" bIns="45000"/>
-          <a:lstStyle/>
-          <a:p>
-            <a:r>
-              <a:rPr lang="en-US" b="1" dirty="0">
-                <a:solidFill>
-                  <a:schemeClr val="accent2"/>
-                </a:solidFill>
-              </a:rPr>
-              <a:t>Figure 1 </a:t>
-            </a:r>
-            <a:r>
-              <a:rPr lang="en-US" b="1" dirty="0" smtClean="0">
-                <a:solidFill>
-                  <a:schemeClr val="accent2"/>
-                </a:solidFill>
-              </a:rPr>
-              <a:t>–</a:t>
-            </a:r>
-            <a:r>
-              <a:rPr lang="tr-TR" b="1" dirty="0" err="1" smtClean="0">
-                <a:solidFill>
-                  <a:schemeClr val="accent2"/>
-                </a:solidFill>
-              </a:rPr>
-              <a:t>Function</a:t>
-            </a:r>
-            <a:r>
-              <a:rPr lang="tr-TR" b="1" dirty="0" smtClean="0">
-                <a:solidFill>
-                  <a:schemeClr val="accent2"/>
-                </a:solidFill>
-              </a:rPr>
-              <a:t> </a:t>
-            </a:r>
-            <a:r>
-              <a:rPr lang="tr-TR" b="1" dirty="0" err="1" smtClean="0">
-                <a:solidFill>
-                  <a:schemeClr val="accent2"/>
-                </a:solidFill>
-              </a:rPr>
-              <a:t>Diagram</a:t>
-            </a:r>
-            <a:endParaRPr lang="en-US" dirty="0">
-              <a:solidFill>
-                <a:schemeClr val="accent2"/>
-              </a:solidFill>
-            </a:endParaRPr>
-          </a:p>
-        </p:txBody>
-      </p:sp>
-      <p:sp>
-        <p:nvSpPr>
-          <p:cNvPr id="92" name="TextShape 52"/>
-          <p:cNvSpPr txBox="1"/>
-          <p:nvPr/>
-        </p:nvSpPr>
-        <p:spPr>
-          <a:xfrm>
-            <a:off x="6157800" y="16570655"/>
-            <a:ext cx="2585520" cy="373680"/>
-          </a:xfrm>
-          <a:prstGeom prst="rect">
-            <a:avLst/>
-          </a:prstGeom>
-        </p:spPr>
-        <p:txBody>
-          <a:bodyPr wrap="none" lIns="90000" tIns="45000" rIns="90000" bIns="45000"/>
-          <a:lstStyle/>
-          <a:p>
-            <a:r>
-              <a:rPr lang="en-US" sz="2000" b="1" dirty="0">
-                <a:solidFill>
-                  <a:schemeClr val="accent2"/>
-                </a:solidFill>
-              </a:rPr>
-              <a:t>Figure 2 – Database</a:t>
-            </a:r>
-            <a:endParaRPr lang="en-US" dirty="0">
-              <a:solidFill>
-                <a:schemeClr val="accent2"/>
-              </a:solidFill>
-            </a:endParaRPr>
-          </a:p>
-        </p:txBody>
       </p:sp>
       <p:sp>
         <p:nvSpPr>
@@ -10878,7 +10317,55 @@
                   <a:schemeClr val="accent2"/>
                 </a:solidFill>
               </a:rPr>
-              <a:t>Figure 3 – Finished Product</a:t>
+              <a:t>Fig</a:t>
+            </a:r>
+            <a:r>
+              <a:rPr lang="tr-TR" sz="2000" b="1" dirty="0">
+                <a:solidFill>
+                  <a:schemeClr val="accent2"/>
+                </a:solidFill>
+              </a:rPr>
+              <a:t>ü</a:t>
+            </a:r>
+            <a:r>
+              <a:rPr lang="en-US" sz="2000" b="1" dirty="0">
+                <a:solidFill>
+                  <a:schemeClr val="accent2"/>
+                </a:solidFill>
+              </a:rPr>
+              <a:t>r </a:t>
+            </a:r>
+            <a:r>
+              <a:rPr lang="tr-TR" sz="2000" b="1" dirty="0">
+                <a:solidFill>
+                  <a:schemeClr val="accent2"/>
+                </a:solidFill>
+              </a:rPr>
+              <a:t>1</a:t>
+            </a:r>
+            <a:r>
+              <a:rPr lang="en-US" sz="2000" b="1" dirty="0" smtClean="0">
+                <a:solidFill>
+                  <a:schemeClr val="accent2"/>
+                </a:solidFill>
+              </a:rPr>
+              <a:t> </a:t>
+            </a:r>
+            <a:r>
+              <a:rPr lang="en-US" sz="2000" b="1" dirty="0">
+                <a:solidFill>
+                  <a:schemeClr val="accent2"/>
+                </a:solidFill>
+              </a:rPr>
+              <a:t>– </a:t>
+            </a:r>
+            <a:r>
+              <a:rPr lang="tr-TR" sz="2000" b="1" dirty="0" smtClean="0">
+                <a:solidFill>
+                  <a:schemeClr val="accent2"/>
+                </a:solidFill>
+              </a:rPr>
+              <a:t>Ürünün Son Hali </a:t>
             </a:r>
             <a:endParaRPr lang="en-US" dirty="0">
               <a:solidFill>
@@ -10910,8 +10397,8 @@
         </p:blipFill>
         <p:spPr>
           <a:xfrm>
-            <a:off x="5283480" y="17270640"/>
-            <a:ext cx="4454483" cy="3289404"/>
+            <a:off x="5175174" y="17786667"/>
+            <a:ext cx="4613365" cy="2811447"/>
           </a:xfrm>
           <a:prstGeom prst="rect">
             <a:avLst/>
@@ -10932,7 +10419,7 @@
         <p:spPr>
           <a:xfrm>
             <a:off x="10188000" y="3960000"/>
-            <a:ext cx="4572000" cy="5219644"/>
+            <a:ext cx="4572000" cy="5585709"/>
           </a:xfrm>
           <a:prstGeom prst="rect">
             <a:avLst/>
@@ -10952,46 +10439,21 @@
           <a:p>
             <a:pPr algn="ctr"/>
             <a:r>
-              <a:rPr lang="tr-TR" sz="3000" b="1" dirty="0" err="1" smtClean="0">
-                <a:solidFill>
-                  <a:schemeClr val="accent2"/>
-                </a:solidFill>
-                <a:latin typeface="+mj-lt"/>
-              </a:rPr>
-              <a:t>Used</a:t>
-            </a:r>
-            <a:r>
               <a:rPr lang="tr-TR" sz="3000" b="1" dirty="0" smtClean="0">
                 <a:solidFill>
                   <a:schemeClr val="accent2"/>
                 </a:solidFill>
                 <a:latin typeface="+mj-lt"/>
               </a:rPr>
-              <a:t> </a:t>
+              <a:t>Kullanılan Teknolojiler</a:t>
             </a:r>
-            <a:r>
-              <a:rPr lang="tr-TR" sz="3000" b="1" dirty="0" err="1" smtClean="0">
-                <a:solidFill>
-                  <a:schemeClr val="accent2"/>
-                </a:solidFill>
-                <a:latin typeface="+mj-lt"/>
-              </a:rPr>
-              <a:t>Technology</a:t>
-            </a:r>
-            <a:endParaRPr lang="tr-TR" sz="3000" b="1" dirty="0" smtClean="0">
-              <a:solidFill>
-                <a:schemeClr val="accent2"/>
-              </a:solidFill>
-              <a:latin typeface="+mj-lt"/>
-            </a:endParaRPr>
           </a:p>
           <a:p>
             <a:pPr algn="just"/>
             <a:r>
-              <a:rPr lang="en-US" sz="1700" dirty="0"/>
-              <a:t>In the project, we used different technologies to produce a complete system: </a:t>
+              <a:rPr lang="tr-TR" sz="1700" dirty="0" smtClean="0"/>
+              <a:t>Bu projede, sistemin tamamlanması için birden farklı teknoloji kullanılmıştır. Bunlar : </a:t>
             </a:r>
-            <a:endParaRPr lang="tr-TR" sz="1700" dirty="0"/>
           </a:p>
           <a:p>
             <a:pPr marL="285750" indent="-285750" algn="just">
@@ -10999,14 +10461,57 @@
               <a:buChar char="-"/>
             </a:pPr>
             <a:r>
-              <a:rPr lang="en-US" sz="1700" b="1" dirty="0"/>
+              <a:rPr lang="tr-TR" sz="1700" b="1" dirty="0" smtClean="0"/>
               <a:t>Java</a:t>
             </a:r>
             <a:r>
-              <a:rPr lang="en-US" sz="1700" dirty="0"/>
-              <a:t> was used for creating the mobile application of the project.</a:t>
+              <a:rPr lang="tr-TR" sz="1700" dirty="0" smtClean="0"/>
+              <a:t> : Mobil uygulamanın geliştirilmesinde kullanılmıştır.</a:t>
             </a:r>
-            <a:endParaRPr lang="tr-TR" sz="1700" dirty="0"/>
+          </a:p>
+          <a:p>
+            <a:pPr marL="285750" indent="-285750">
+              <a:buFontTx/>
+              <a:buChar char="-"/>
+            </a:pPr>
+            <a:r>
+              <a:rPr lang="tr-TR" sz="1700" b="1" dirty="0" err="1" smtClean="0"/>
+              <a:t>OpenCV</a:t>
+            </a:r>
+            <a:r>
+              <a:rPr lang="tr-TR" sz="1700" b="1" dirty="0" smtClean="0"/>
+              <a:t> : </a:t>
+            </a:r>
+            <a:r>
+              <a:rPr lang="tr-TR" sz="1700" dirty="0" smtClean="0"/>
+              <a:t> Kamera karesindeki yüzün algılanması için mobil uygulamada kullanılmıştır.</a:t>
+            </a:r>
+          </a:p>
+          <a:p>
+            <a:pPr marL="285750" indent="-285750">
+              <a:buFontTx/>
+              <a:buChar char="-"/>
+            </a:pPr>
+            <a:r>
+              <a:rPr lang="tr-TR" sz="1700" b="1" dirty="0" err="1" smtClean="0"/>
+              <a:t>Apache</a:t>
+            </a:r>
+            <a:r>
+              <a:rPr lang="tr-TR" sz="1700" b="1" dirty="0" smtClean="0"/>
+              <a:t> : </a:t>
+            </a:r>
+            <a:r>
+              <a:rPr lang="tr-TR" sz="1700" dirty="0" smtClean="0"/>
+              <a:t>Mobil uygulamadan sunucuya video göndermek için </a:t>
+            </a:r>
+            <a:r>
+              <a:rPr lang="tr-TR" sz="1700" b="1" dirty="0" smtClean="0"/>
+              <a:t>PHP </a:t>
+            </a:r>
+            <a:r>
+              <a:rPr lang="tr-TR" sz="1700" dirty="0" smtClean="0"/>
+              <a:t>ile yazılmış bir programı yürüten bir web sunucusu oluşturmak için kullanıldı.</a:t>
+            </a:r>
           </a:p>
           <a:p>
             <a:pPr marL="285750" indent="-285750" algn="just">
@@ -11014,14 +10519,13 @@
               <a:buChar char="-"/>
             </a:pPr>
             <a:r>
-              <a:rPr lang="en-US" sz="1700" b="1" dirty="0" err="1"/>
-              <a:t>OpenCV</a:t>
+              <a:rPr lang="tr-TR" sz="1700" b="1" dirty="0" smtClean="0"/>
+              <a:t>ASP.NET : </a:t>
             </a:r>
             <a:r>
-              <a:rPr lang="en-US" sz="1700" dirty="0"/>
-              <a:t> library was used in the mobile application for detecting the face on the camera frame.</a:t>
+              <a:rPr lang="tr-TR" sz="1700" dirty="0" smtClean="0"/>
+              <a:t>Proje Web Sitesi yaratmak için kullanıldı. </a:t>
             </a:r>
-            <a:endParaRPr lang="tr-TR" sz="1700" dirty="0"/>
           </a:p>
           <a:p>
             <a:pPr marL="285750" indent="-285750" algn="just">
@@ -11029,65 +10533,38 @@
               <a:buChar char="-"/>
             </a:pPr>
             <a:r>
-              <a:rPr lang="en-US" sz="1700" b="1" dirty="0"/>
-              <a:t>Apache</a:t>
+              <a:rPr lang="tr-TR" sz="1700" b="1" dirty="0" err="1" smtClean="0"/>
+              <a:t>Phyton</a:t>
             </a:r>
             <a:r>
-              <a:rPr lang="en-US" sz="1700" dirty="0"/>
-              <a:t> was used for creating a web server that executes a program written in </a:t>
+              <a:rPr lang="tr-TR" sz="1700" b="1" dirty="0" smtClean="0"/>
+              <a:t>:</a:t>
             </a:r>
             <a:r>
-              <a:rPr lang="en-US" sz="1700" b="1" dirty="0"/>
-              <a:t>PHP</a:t>
+              <a:rPr lang="tr-TR" sz="1700" dirty="0" smtClean="0"/>
+              <a:t> Kamera karesinden gelen verilere göre iki </a:t>
             </a:r>
             <a:r>
-              <a:rPr lang="en-US" sz="1700" dirty="0"/>
-              <a:t> to send videos from the mobile application to the server.</a:t>
-            </a:r>
-            <a:endParaRPr lang="tr-TR" sz="1700" dirty="0"/>
-          </a:p>
-          <a:p>
-            <a:pPr marL="285750" indent="-285750" algn="just">
-              <a:buFontTx/>
-              <a:buChar char="-"/>
-            </a:pPr>
-            <a:r>
-              <a:rPr lang="en-US" sz="1700" b="1" dirty="0"/>
-              <a:t>ASP.NET </a:t>
+              <a:rPr lang="tr-TR" sz="1700" dirty="0" err="1" smtClean="0"/>
+              <a:t>servo</a:t>
             </a:r>
             <a:r>
-              <a:rPr lang="en-US" sz="1700" dirty="0"/>
-              <a:t>was used for creating the website of the project.</a:t>
-            </a:r>
-            <a:endParaRPr lang="tr-TR" sz="1700" dirty="0"/>
-          </a:p>
-          <a:p>
-            <a:pPr marL="285750" indent="-285750" algn="just">
-              <a:buFontTx/>
-              <a:buChar char="-"/>
-            </a:pPr>
-            <a:r>
-              <a:rPr lang="en-US" sz="1700" b="1" dirty="0"/>
-              <a:t>Python</a:t>
+              <a:rPr lang="tr-TR" sz="1700" dirty="0" smtClean="0"/>
+              <a:t> motoru kontrol etmek için mobil uygulama ile iletişim kuran bir </a:t>
             </a:r>
             <a:r>
-              <a:rPr lang="en-US" sz="1700" dirty="0"/>
-              <a:t> was used for creating a </a:t>
+              <a:rPr lang="tr-TR" sz="1700" b="1" dirty="0" err="1" smtClean="0"/>
+              <a:t>Raspberry</a:t>
             </a:r>
             <a:r>
-              <a:rPr lang="en-US" sz="1700" b="1" dirty="0"/>
-              <a:t>Raspberry Pi </a:t>
+              <a:rPr lang="tr-TR" sz="1700" b="1" dirty="0" smtClean="0"/>
+              <a:t> Pi </a:t>
             </a:r>
             <a:r>
-              <a:rPr lang="en-US" sz="1700" dirty="0"/>
-              <a:t>based server that communicates with the mobile application to control two servo motors according to the data that comes from camera frame.</a:t>
+              <a:rPr lang="tr-TR" sz="1700" dirty="0" smtClean="0"/>
+              <a:t>tabanlı sunucu oluşturmak için kullanıldı.</a:t>
             </a:r>
-          </a:p>
-          <a:p>
-            <a:endParaRPr lang="en-US" sz="2800" dirty="0"/>
-          </a:p>
-          <a:p>
-            <a:endParaRPr lang="en-US" dirty="0">
+            <a:endParaRPr lang="tr-TR" sz="1700" dirty="0">
               <a:solidFill>
                 <a:schemeClr val="accent2"/>
               </a:solidFill>
@@ -11095,47 +10572,12 @@
           </a:p>
         </p:txBody>
       </p:sp>
-      <p:pic>
-        <p:nvPicPr>
-          <p:cNvPr id="3" name="Resim 2"/>
-          <p:cNvPicPr>
-            <a:picLocks noChangeAspect="1"/>
-          </p:cNvPicPr>
-          <p:nvPr/>
-        </p:nvPicPr>
-        <p:blipFill>
-          <a:blip r:embed="rId6">
-            <a:extLst>
-              <a:ext uri="{28A0092B-C50C-407E-A947-70E740481C1C}">
-                <a14:useLocalDpi xmlns:a14="http://schemas.microsoft.com/office/drawing/2010/main" val="0"/>
-              </a:ext>
-            </a:extLst>
-          </a:blip>
-          <a:stretch>
-            <a:fillRect/>
-          </a:stretch>
-        </p:blipFill>
-        <p:spPr>
-          <a:xfrm>
-            <a:off x="5262802" y="11452097"/>
-            <a:ext cx="4475160" cy="5118558"/>
-          </a:xfrm>
-          <a:prstGeom prst="rect">
-            <a:avLst/>
-          </a:prstGeom>
-          <a:ln>
-            <a:solidFill>
-              <a:schemeClr val="accent2"/>
-            </a:solidFill>
-          </a:ln>
-        </p:spPr>
-      </p:pic>
       <p:graphicFrame>
         <p:nvGraphicFramePr>
           <p:cNvPr id="6" name="Diyagram 5">
             <a:extLst>
               <a:ext uri="{FF2B5EF4-FFF2-40B4-BE49-F238E27FC236}">
-                <a16:creationId xmlns:a16="http://schemas.microsoft.com/office/drawing/2014/main" xmlns="" id="{B683ACD8-8251-4CBA-A9B9-2B38AD4EDFAC}"/>
+                <a16:creationId xmlns="" xmlns:a16="http://schemas.microsoft.com/office/drawing/2014/main" id="{B683ACD8-8251-4CBA-A9B9-2B38AD4EDFAC}"/>
               </a:ext>
             </a:extLst>
           </p:cNvPr>
@@ -11143,18 +10585,18 @@
           <p:nvPr>
             <p:extLst>
               <p:ext uri="{D42A27DB-BD31-4B8C-83A1-F6EECF244321}">
-                <p14:modId xmlns:p14="http://schemas.microsoft.com/office/powerpoint/2010/main" val="236255827"/>
+                <p14:modId xmlns:p14="http://schemas.microsoft.com/office/powerpoint/2010/main" val="3850465377"/>
               </p:ext>
             </p:extLst>
           </p:nvPr>
         </p:nvGraphicFramePr>
         <p:xfrm>
-          <a:off x="488531" y="15949228"/>
+          <a:off x="450000" y="16757495"/>
           <a:ext cx="2616656" cy="4340197"/>
         </p:xfrm>
         <a:graphic>
           <a:graphicData uri="http://schemas.openxmlformats.org/drawingml/2006/diagram">
-            <dgm:relIds xmlns:dgm="http://schemas.openxmlformats.org/drawingml/2006/diagram" xmlns:r="http://schemas.openxmlformats.org/officeDocument/2006/relationships" r:dm="rId7" r:lo="rId8" r:qs="rId9" r:cs="rId10"/>
+            <dgm:relIds xmlns:dgm="http://schemas.openxmlformats.org/drawingml/2006/diagram" xmlns:r="http://schemas.openxmlformats.org/officeDocument/2006/relationships" r:dm="rId6" r:lo="rId7" r:qs="rId8" r:cs="rId9"/>
           </a:graphicData>
         </a:graphic>
       </p:graphicFrame>
@@ -11163,7 +10605,7 @@
           <p:cNvPr id="25" name="Diyagram 24">
             <a:extLst>
               <a:ext uri="{FF2B5EF4-FFF2-40B4-BE49-F238E27FC236}">
-                <a16:creationId xmlns:a16="http://schemas.microsoft.com/office/drawing/2014/main" xmlns="" id="{9C5E072D-ECBA-437D-9FF6-6D767394EB2B}"/>
+                <a16:creationId xmlns="" xmlns:a16="http://schemas.microsoft.com/office/drawing/2014/main" id="{9C5E072D-ECBA-437D-9FF6-6D767394EB2B}"/>
               </a:ext>
             </a:extLst>
           </p:cNvPr>
@@ -11171,18 +10613,18 @@
           <p:nvPr>
             <p:extLst>
               <p:ext uri="{D42A27DB-BD31-4B8C-83A1-F6EECF244321}">
-                <p14:modId xmlns:p14="http://schemas.microsoft.com/office/powerpoint/2010/main" val="2895010330"/>
+                <p14:modId xmlns:p14="http://schemas.microsoft.com/office/powerpoint/2010/main" val="2429388105"/>
               </p:ext>
             </p:extLst>
           </p:nvPr>
         </p:nvGraphicFramePr>
         <p:xfrm>
-          <a:off x="3095179" y="16266960"/>
+          <a:off x="3100288" y="16942835"/>
           <a:ext cx="2086135" cy="3945012"/>
         </p:xfrm>
         <a:graphic>
           <a:graphicData uri="http://schemas.openxmlformats.org/drawingml/2006/diagram">
-            <dgm:relIds xmlns:dgm="http://schemas.openxmlformats.org/drawingml/2006/diagram" xmlns:r="http://schemas.openxmlformats.org/officeDocument/2006/relationships" r:dm="rId12" r:lo="rId13" r:qs="rId14" r:cs="rId15"/>
+            <dgm:relIds xmlns:dgm="http://schemas.openxmlformats.org/drawingml/2006/diagram" xmlns:r="http://schemas.openxmlformats.org/officeDocument/2006/relationships" r:dm="rId11" r:lo="rId12" r:qs="rId13" r:cs="rId14"/>
           </a:graphicData>
         </a:graphic>
       </p:graphicFrame>
@@ -11191,7 +10633,7 @@
           <p:cNvPr id="8" name="Metin kutusu 7">
             <a:extLst>
               <a:ext uri="{FF2B5EF4-FFF2-40B4-BE49-F238E27FC236}">
-                <a16:creationId xmlns:a16="http://schemas.microsoft.com/office/drawing/2014/main" xmlns="" id="{3D88FD91-FC60-47B2-B23A-6B6A5C886ABE}"/>
+                <a16:creationId xmlns="" xmlns:a16="http://schemas.microsoft.com/office/drawing/2014/main" id="{3D88FD91-FC60-47B2-B23A-6B6A5C886ABE}"/>
               </a:ext>
             </a:extLst>
           </p:cNvPr>
@@ -11200,7 +10642,7 @@
         </p:nvSpPr>
         <p:spPr>
           <a:xfrm>
-            <a:off x="1192264" y="15804380"/>
+            <a:off x="1121238" y="16439789"/>
             <a:ext cx="1069524" cy="369332"/>
           </a:xfrm>
           <a:prstGeom prst="rect">
@@ -11232,7 +10674,7 @@
           <p:cNvPr id="28" name="Metin kutusu 27">
             <a:extLst>
               <a:ext uri="{FF2B5EF4-FFF2-40B4-BE49-F238E27FC236}">
-                <a16:creationId xmlns:a16="http://schemas.microsoft.com/office/drawing/2014/main" xmlns="" id="{0DCD5103-9B04-4984-8380-5997126EB7A1}"/>
+                <a16:creationId xmlns="" xmlns:a16="http://schemas.microsoft.com/office/drawing/2014/main" id="{0DCD5103-9B04-4984-8380-5997126EB7A1}"/>
               </a:ext>
             </a:extLst>
           </p:cNvPr>
@@ -11241,7 +10683,7 @@
         </p:nvSpPr>
         <p:spPr>
           <a:xfrm>
-            <a:off x="3167186" y="15804380"/>
+            <a:off x="3167185" y="16439789"/>
             <a:ext cx="1608133" cy="369332"/>
           </a:xfrm>
           <a:prstGeom prst="rect">
@@ -11273,7 +10715,7 @@
           <p:cNvPr id="15" name="Serbest Form: Şekil 14">
             <a:extLst>
               <a:ext uri="{FF2B5EF4-FFF2-40B4-BE49-F238E27FC236}">
-                <a16:creationId xmlns:a16="http://schemas.microsoft.com/office/drawing/2014/main" xmlns="" id="{CD0BE97B-4E0B-471C-A388-9F0E29EFCF51}"/>
+                <a16:creationId xmlns="" xmlns:a16="http://schemas.microsoft.com/office/drawing/2014/main" id="{CD0BE97B-4E0B-471C-A388-9F0E29EFCF51}"/>
               </a:ext>
             </a:extLst>
           </p:cNvPr>
@@ -11282,7 +10724,7 @@
         </p:nvSpPr>
         <p:spPr>
           <a:xfrm>
-            <a:off x="1727026" y="16757495"/>
+            <a:off x="1727025" y="17100524"/>
             <a:ext cx="1800201" cy="3328083"/>
           </a:xfrm>
           <a:custGeom>
@@ -11369,8 +10811,8 @@
         </p:nvSpPr>
         <p:spPr>
           <a:xfrm>
-            <a:off x="10211718" y="16809121"/>
-            <a:ext cx="4572000" cy="4212441"/>
+            <a:off x="10211718" y="17270640"/>
+            <a:ext cx="4572000" cy="3750922"/>
           </a:xfrm>
           <a:prstGeom prst="rect">
             <a:avLst/>
@@ -11426,7 +10868,23 @@
                   <a:schemeClr val="accent2"/>
                 </a:solidFill>
               </a:rPr>
-              <a:t>Figure </a:t>
+              <a:t>Fig</a:t>
+            </a:r>
+            <a:r>
+              <a:rPr lang="tr-TR" sz="2000" b="1" dirty="0" err="1" smtClean="0">
+                <a:solidFill>
+                  <a:schemeClr val="accent2"/>
+                </a:solidFill>
+              </a:rPr>
+              <a:t>ür</a:t>
+            </a:r>
+            <a:r>
+              <a:rPr lang="en-US" sz="2000" b="1" dirty="0" smtClean="0">
+                <a:solidFill>
+                  <a:schemeClr val="accent2"/>
+                </a:solidFill>
+              </a:rPr>
+              <a:t> </a:t>
             </a:r>
             <a:r>
               <a:rPr lang="tr-TR" sz="2000" b="1" dirty="0">
@@ -11434,7 +10892,7 @@
                   <a:schemeClr val="accent2"/>
                 </a:solidFill>
               </a:rPr>
-              <a:t>4</a:t>
+              <a:t>2</a:t>
             </a:r>
             <a:r>
               <a:rPr lang="en-US" sz="2000" b="1" dirty="0" smtClean="0">
@@ -11453,20 +10911,20 @@
               <a:t>– </a:t>
             </a:r>
             <a:r>
-              <a:rPr lang="tr-TR" sz="2000" b="1" dirty="0" smtClean="0">
+              <a:rPr lang="tr-TR" sz="2000" b="1" smtClean="0">
                 <a:solidFill>
                   <a:schemeClr val="accent2"/>
                 </a:solidFill>
               </a:rPr>
-              <a:t>Team </a:t>
+              <a:t>Proje </a:t>
             </a:r>
             <a:r>
-              <a:rPr lang="tr-TR" sz="2000" b="1" dirty="0" err="1" smtClean="0">
+              <a:rPr lang="tr-TR" sz="2000" b="1" smtClean="0">
                 <a:solidFill>
                   <a:schemeClr val="accent2"/>
                 </a:solidFill>
               </a:rPr>
-              <a:t>Member</a:t>
+              <a:t>Ekibi</a:t>
             </a:r>
             <a:endParaRPr dirty="0">
               <a:solidFill>
@@ -11485,7 +10943,7 @@
           <p:nvPr/>
         </p:nvPicPr>
         <p:blipFill>
-          <a:blip r:embed="rId17">
+          <a:blip r:embed="rId16">
             <a:extLst>
               <a:ext uri="{28A0092B-C50C-407E-A947-70E740481C1C}">
                 <a14:useLocalDpi xmlns:a14="http://schemas.microsoft.com/office/drawing/2010/main" val="0"/>
@@ -11499,8 +10957,8 @@
         </p:blipFill>
         <p:spPr bwMode="auto">
           <a:xfrm>
-            <a:off x="10221419" y="16602064"/>
-            <a:ext cx="4562520" cy="3957980"/>
+            <a:off x="10221419" y="17270640"/>
+            <a:ext cx="4562520" cy="3289404"/>
           </a:xfrm>
           <a:prstGeom prst="rect">
             <a:avLst/>
@@ -11527,7 +10985,56 @@
       </p:pic>
       <p:pic>
         <p:nvPicPr>
-          <p:cNvPr id="32" name="Picture 4" descr="https://camo.githubusercontent.com/6c6112120e28d9a519337ff74e92a8efd613f26e/687474703a2f2f7777772e696d67696d2e636f6d2f757365636173657265616c697a6174696f6e2e706e67"/>
+          <p:cNvPr id="1027" name="Picture 3"/>
+          <p:cNvPicPr>
+            <a:picLocks noChangeAspect="1" noChangeArrowheads="1"/>
+          </p:cNvPicPr>
+          <p:nvPr/>
+        </p:nvPicPr>
+        <p:blipFill>
+          <a:blip r:embed="rId17" cstate="print">
+            <a:extLst>
+              <a:ext uri="{28A0092B-C50C-407E-A947-70E740481C1C}">
+                <a14:useLocalDpi xmlns:a14="http://schemas.microsoft.com/office/drawing/2010/main" val="0"/>
+              </a:ext>
+            </a:extLst>
+          </a:blip>
+          <a:srcRect/>
+          <a:stretch>
+            <a:fillRect/>
+          </a:stretch>
+        </p:blipFill>
+        <p:spPr bwMode="auto">
+          <a:xfrm>
+            <a:off x="5169981" y="14719111"/>
+            <a:ext cx="4618558" cy="3245509"/>
+          </a:xfrm>
+          <a:prstGeom prst="rect">
+            <a:avLst/>
+          </a:prstGeom>
+          <a:noFill/>
+          <a:ln w="9525">
+            <a:solidFill>
+              <a:schemeClr val="accent2"/>
+            </a:solidFill>
+            <a:miter lim="800000"/>
+            <a:headEnd/>
+            <a:tailEnd/>
+          </a:ln>
+          <a:extLst>
+            <a:ext uri="{909E8E84-426E-40DD-AFC4-6F175D3DCCD1}">
+              <a14:hiddenFill xmlns:a14="http://schemas.microsoft.com/office/drawing/2010/main">
+                <a:solidFill>
+                  <a:schemeClr val="accent1"/>
+                </a:solidFill>
+              </a14:hiddenFill>
+            </a:ext>
+          </a:extLst>
+        </p:spPr>
+      </p:pic>
+      <p:pic>
+        <p:nvPicPr>
+          <p:cNvPr id="1029" name="Picture 5"/>
           <p:cNvPicPr>
             <a:picLocks noChangeAspect="1" noChangeArrowheads="1"/>
           </p:cNvPicPr>
@@ -11548,23 +11055,124 @@
         </p:blipFill>
         <p:spPr bwMode="auto">
           <a:xfrm>
-            <a:off x="5262802" y="6609240"/>
-            <a:ext cx="4458498" cy="4010564"/>
+            <a:off x="5175174" y="13204451"/>
+            <a:ext cx="4613365" cy="2599929"/>
           </a:xfrm>
           <a:prstGeom prst="rect">
             <a:avLst/>
           </a:prstGeom>
           <a:noFill/>
-          <a:ln>
+          <a:ln w="9525">
             <a:solidFill>
               <a:schemeClr val="accent2"/>
             </a:solidFill>
+            <a:miter lim="800000"/>
+            <a:headEnd/>
+            <a:tailEnd/>
           </a:ln>
           <a:extLst>
             <a:ext uri="{909E8E84-426E-40DD-AFC4-6F175D3DCCD1}">
               <a14:hiddenFill xmlns:a14="http://schemas.microsoft.com/office/drawing/2010/main">
                 <a:solidFill>
-                  <a:srgbClr val="FFFFFF"/>
+                  <a:schemeClr val="accent1"/>
+                </a:solidFill>
+              </a14:hiddenFill>
+            </a:ext>
+          </a:extLst>
+        </p:spPr>
+      </p:pic>
+      <p:pic>
+        <p:nvPicPr>
+          <p:cNvPr id="1030" name="Picture 6"/>
+          <p:cNvPicPr>
+            <a:picLocks noChangeAspect="1" noChangeArrowheads="1"/>
+          </p:cNvPicPr>
+          <p:nvPr/>
+        </p:nvPicPr>
+        <p:blipFill>
+          <a:blip r:embed="rId19">
+            <a:extLst>
+              <a:ext uri="{28A0092B-C50C-407E-A947-70E740481C1C}">
+                <a14:useLocalDpi xmlns:a14="http://schemas.microsoft.com/office/drawing/2010/main" val="0"/>
+              </a:ext>
+            </a:extLst>
+          </a:blip>
+          <a:srcRect/>
+          <a:stretch>
+            <a:fillRect/>
+          </a:stretch>
+        </p:blipFill>
+        <p:spPr bwMode="auto">
+          <a:xfrm>
+            <a:off x="5169981" y="7379444"/>
+            <a:ext cx="4618558" cy="2983980"/>
+          </a:xfrm>
+          <a:prstGeom prst="rect">
+            <a:avLst/>
+          </a:prstGeom>
+          <a:noFill/>
+          <a:ln w="9525">
+            <a:solidFill>
+              <a:schemeClr val="accent2"/>
+            </a:solidFill>
+            <a:miter lim="800000"/>
+            <a:headEnd/>
+            <a:tailEnd/>
+          </a:ln>
+          <a:extLst>
+            <a:ext uri="{909E8E84-426E-40DD-AFC4-6F175D3DCCD1}">
+              <a14:hiddenFill xmlns:a14="http://schemas.microsoft.com/office/drawing/2010/main">
+                <a:solidFill>
+                  <a:schemeClr val="accent1"/>
+                </a:solidFill>
+              </a14:hiddenFill>
+            </a:ext>
+          </a:extLst>
+        </p:spPr>
+      </p:pic>
+      <p:pic>
+        <p:nvPicPr>
+          <p:cNvPr id="1031" name="Picture 7"/>
+          <p:cNvPicPr>
+            <a:picLocks noChangeAspect="1" noChangeArrowheads="1"/>
+          </p:cNvPicPr>
+          <p:nvPr/>
+        </p:nvPicPr>
+        <p:blipFill>
+          <a:blip r:embed="rId20">
+            <a:extLst>
+              <a:ext uri="{28A0092B-C50C-407E-A947-70E740481C1C}">
+                <a14:useLocalDpi xmlns:a14="http://schemas.microsoft.com/office/drawing/2010/main" val="0"/>
+              </a:ext>
+            </a:extLst>
+          </a:blip>
+          <a:srcRect/>
+          <a:stretch>
+            <a:fillRect/>
+          </a:stretch>
+        </p:blipFill>
+        <p:spPr bwMode="auto">
+          <a:xfrm>
+            <a:off x="5169981" y="10363423"/>
+            <a:ext cx="4618557" cy="2841027"/>
+          </a:xfrm>
+          <a:prstGeom prst="rect">
+            <a:avLst/>
+          </a:prstGeom>
+          <a:noFill/>
+          <a:ln w="9525">
+            <a:solidFill>
+              <a:schemeClr val="accent2"/>
+            </a:solidFill>
+            <a:miter lim="800000"/>
+            <a:headEnd/>
+            <a:tailEnd/>
+          </a:ln>
+          <a:extLst>
+            <a:ext uri="{909E8E84-426E-40DD-AFC4-6F175D3DCCD1}">
+              <a14:hiddenFill xmlns:a14="http://schemas.microsoft.com/office/drawing/2010/main">
+                <a:solidFill>
+                  <a:schemeClr val="accent1"/>
                 </a:solidFill>
               </a14:hiddenFill>
             </a:ext>
